--- a/Hafta-3.pptx
+++ b/Hafta-3.pptx
@@ -5,10 +5,10 @@
     <p:sldMasterId id="2147483696" r:id="rId4"/>
   </p:sldMasterIdLst>
   <p:notesMasterIdLst>
-    <p:notesMasterId r:id="rId41"/>
+    <p:notesMasterId r:id="rId40"/>
   </p:notesMasterIdLst>
   <p:handoutMasterIdLst>
-    <p:handoutMasterId r:id="rId42"/>
+    <p:handoutMasterId r:id="rId41"/>
   </p:handoutMasterIdLst>
   <p:sldIdLst>
     <p:sldId id="306" r:id="rId5"/>
@@ -24,29 +24,28 @@
     <p:sldId id="399" r:id="rId15"/>
     <p:sldId id="402" r:id="rId16"/>
     <p:sldId id="403" r:id="rId17"/>
-    <p:sldId id="400" r:id="rId18"/>
-    <p:sldId id="401" r:id="rId19"/>
-    <p:sldId id="404" r:id="rId20"/>
-    <p:sldId id="405" r:id="rId21"/>
-    <p:sldId id="406" r:id="rId22"/>
-    <p:sldId id="407" r:id="rId23"/>
-    <p:sldId id="408" r:id="rId24"/>
-    <p:sldId id="409" r:id="rId25"/>
-    <p:sldId id="410" r:id="rId26"/>
-    <p:sldId id="411" r:id="rId27"/>
-    <p:sldId id="412" r:id="rId28"/>
-    <p:sldId id="413" r:id="rId29"/>
-    <p:sldId id="414" r:id="rId30"/>
-    <p:sldId id="415" r:id="rId31"/>
-    <p:sldId id="416" r:id="rId32"/>
-    <p:sldId id="417" r:id="rId33"/>
-    <p:sldId id="418" r:id="rId34"/>
-    <p:sldId id="419" r:id="rId35"/>
-    <p:sldId id="420" r:id="rId36"/>
-    <p:sldId id="421" r:id="rId37"/>
-    <p:sldId id="422" r:id="rId38"/>
-    <p:sldId id="312" r:id="rId39"/>
-    <p:sldId id="394" r:id="rId40"/>
+    <p:sldId id="401" r:id="rId18"/>
+    <p:sldId id="404" r:id="rId19"/>
+    <p:sldId id="405" r:id="rId20"/>
+    <p:sldId id="406" r:id="rId21"/>
+    <p:sldId id="407" r:id="rId22"/>
+    <p:sldId id="408" r:id="rId23"/>
+    <p:sldId id="409" r:id="rId24"/>
+    <p:sldId id="410" r:id="rId25"/>
+    <p:sldId id="411" r:id="rId26"/>
+    <p:sldId id="412" r:id="rId27"/>
+    <p:sldId id="413" r:id="rId28"/>
+    <p:sldId id="414" r:id="rId29"/>
+    <p:sldId id="415" r:id="rId30"/>
+    <p:sldId id="416" r:id="rId31"/>
+    <p:sldId id="417" r:id="rId32"/>
+    <p:sldId id="418" r:id="rId33"/>
+    <p:sldId id="419" r:id="rId34"/>
+    <p:sldId id="420" r:id="rId35"/>
+    <p:sldId id="421" r:id="rId36"/>
+    <p:sldId id="422" r:id="rId37"/>
+    <p:sldId id="312" r:id="rId38"/>
+    <p:sldId id="394" r:id="rId39"/>
   </p:sldIdLst>
   <p:sldSz cx="12192000" cy="6858000"/>
   <p:notesSz cx="6858000" cy="9144000"/>
@@ -272,7 +271,7 @@
           <a:p>
             <a:fld id="{AF536ADF-3EC2-4D6F-9F7F-1F88E3288139}" type="datetime1">
               <a:rPr lang="tr-TR" smtClean="0"/>
-              <a:t>26.09.2022</a:t>
+              <a:t>20.10.2022</a:t>
             </a:fld>
             <a:endParaRPr lang="tr-TR"/>
           </a:p>
@@ -452,7 +451,7 @@
             <a:pPr rtl="0"/>
             <a:fld id="{BA214D3A-912A-4866-90B4-0232CEDB2416}" type="datetime1">
               <a:rPr lang="tr-TR" noProof="0" smtClean="0"/>
-              <a:t>26.09.2022</a:t>
+              <a:t>20.10.2022</a:t>
             </a:fld>
             <a:endParaRPr lang="tr-TR" noProof="0"/>
           </a:p>
@@ -1223,7 +1222,7 @@
     </p:spTree>
     <p:extLst>
       <p:ext uri="{BB962C8B-B14F-4D97-AF65-F5344CB8AC3E}">
-        <p14:creationId xmlns:p14="http://schemas.microsoft.com/office/powerpoint/2010/main" val="3259237953"/>
+        <p14:creationId xmlns:p14="http://schemas.microsoft.com/office/powerpoint/2010/main" val="502918405"/>
       </p:ext>
     </p:extLst>
   </p:cSld>
@@ -1308,7 +1307,7 @@
     </p:spTree>
     <p:extLst>
       <p:ext uri="{BB962C8B-B14F-4D97-AF65-F5344CB8AC3E}">
-        <p14:creationId xmlns:p14="http://schemas.microsoft.com/office/powerpoint/2010/main" val="502918405"/>
+        <p14:creationId xmlns:p14="http://schemas.microsoft.com/office/powerpoint/2010/main" val="1708842534"/>
       </p:ext>
     </p:extLst>
   </p:cSld>
@@ -1393,7 +1392,7 @@
     </p:spTree>
     <p:extLst>
       <p:ext uri="{BB962C8B-B14F-4D97-AF65-F5344CB8AC3E}">
-        <p14:creationId xmlns:p14="http://schemas.microsoft.com/office/powerpoint/2010/main" val="1708842534"/>
+        <p14:creationId xmlns:p14="http://schemas.microsoft.com/office/powerpoint/2010/main" val="3926872073"/>
       </p:ext>
     </p:extLst>
   </p:cSld>
@@ -1478,7 +1477,7 @@
     </p:spTree>
     <p:extLst>
       <p:ext uri="{BB962C8B-B14F-4D97-AF65-F5344CB8AC3E}">
-        <p14:creationId xmlns:p14="http://schemas.microsoft.com/office/powerpoint/2010/main" val="3926872073"/>
+        <p14:creationId xmlns:p14="http://schemas.microsoft.com/office/powerpoint/2010/main" val="195806024"/>
       </p:ext>
     </p:extLst>
   </p:cSld>
@@ -1563,7 +1562,7 @@
     </p:spTree>
     <p:extLst>
       <p:ext uri="{BB962C8B-B14F-4D97-AF65-F5344CB8AC3E}">
-        <p14:creationId xmlns:p14="http://schemas.microsoft.com/office/powerpoint/2010/main" val="195806024"/>
+        <p14:creationId xmlns:p14="http://schemas.microsoft.com/office/powerpoint/2010/main" val="4143978624"/>
       </p:ext>
     </p:extLst>
   </p:cSld>
@@ -1648,7 +1647,7 @@
     </p:spTree>
     <p:extLst>
       <p:ext uri="{BB962C8B-B14F-4D97-AF65-F5344CB8AC3E}">
-        <p14:creationId xmlns:p14="http://schemas.microsoft.com/office/powerpoint/2010/main" val="4143978624"/>
+        <p14:creationId xmlns:p14="http://schemas.microsoft.com/office/powerpoint/2010/main" val="1471656176"/>
       </p:ext>
     </p:extLst>
   </p:cSld>
@@ -1818,7 +1817,7 @@
     </p:spTree>
     <p:extLst>
       <p:ext uri="{BB962C8B-B14F-4D97-AF65-F5344CB8AC3E}">
-        <p14:creationId xmlns:p14="http://schemas.microsoft.com/office/powerpoint/2010/main" val="1471656176"/>
+        <p14:creationId xmlns:p14="http://schemas.microsoft.com/office/powerpoint/2010/main" val="3286652361"/>
       </p:ext>
     </p:extLst>
   </p:cSld>
@@ -1903,7 +1902,7 @@
     </p:spTree>
     <p:extLst>
       <p:ext uri="{BB962C8B-B14F-4D97-AF65-F5344CB8AC3E}">
-        <p14:creationId xmlns:p14="http://schemas.microsoft.com/office/powerpoint/2010/main" val="3286652361"/>
+        <p14:creationId xmlns:p14="http://schemas.microsoft.com/office/powerpoint/2010/main" val="4211394015"/>
       </p:ext>
     </p:extLst>
   </p:cSld>
@@ -1988,7 +1987,7 @@
     </p:spTree>
     <p:extLst>
       <p:ext uri="{BB962C8B-B14F-4D97-AF65-F5344CB8AC3E}">
-        <p14:creationId xmlns:p14="http://schemas.microsoft.com/office/powerpoint/2010/main" val="4211394015"/>
+        <p14:creationId xmlns:p14="http://schemas.microsoft.com/office/powerpoint/2010/main" val="3545797409"/>
       </p:ext>
     </p:extLst>
   </p:cSld>
@@ -2073,7 +2072,7 @@
     </p:spTree>
     <p:extLst>
       <p:ext uri="{BB962C8B-B14F-4D97-AF65-F5344CB8AC3E}">
-        <p14:creationId xmlns:p14="http://schemas.microsoft.com/office/powerpoint/2010/main" val="3545797409"/>
+        <p14:creationId xmlns:p14="http://schemas.microsoft.com/office/powerpoint/2010/main" val="1924106283"/>
       </p:ext>
     </p:extLst>
   </p:cSld>
@@ -2158,7 +2157,7 @@
     </p:spTree>
     <p:extLst>
       <p:ext uri="{BB962C8B-B14F-4D97-AF65-F5344CB8AC3E}">
-        <p14:creationId xmlns:p14="http://schemas.microsoft.com/office/powerpoint/2010/main" val="1924106283"/>
+        <p14:creationId xmlns:p14="http://schemas.microsoft.com/office/powerpoint/2010/main" val="40905899"/>
       </p:ext>
     </p:extLst>
   </p:cSld>
@@ -2243,7 +2242,7 @@
     </p:spTree>
     <p:extLst>
       <p:ext uri="{BB962C8B-B14F-4D97-AF65-F5344CB8AC3E}">
-        <p14:creationId xmlns:p14="http://schemas.microsoft.com/office/powerpoint/2010/main" val="40905899"/>
+        <p14:creationId xmlns:p14="http://schemas.microsoft.com/office/powerpoint/2010/main" val="3806814524"/>
       </p:ext>
     </p:extLst>
   </p:cSld>
@@ -2328,7 +2327,7 @@
     </p:spTree>
     <p:extLst>
       <p:ext uri="{BB962C8B-B14F-4D97-AF65-F5344CB8AC3E}">
-        <p14:creationId xmlns:p14="http://schemas.microsoft.com/office/powerpoint/2010/main" val="3806814524"/>
+        <p14:creationId xmlns:p14="http://schemas.microsoft.com/office/powerpoint/2010/main" val="2356578391"/>
       </p:ext>
     </p:extLst>
   </p:cSld>
@@ -2413,7 +2412,7 @@
     </p:spTree>
     <p:extLst>
       <p:ext uri="{BB962C8B-B14F-4D97-AF65-F5344CB8AC3E}">
-        <p14:creationId xmlns:p14="http://schemas.microsoft.com/office/powerpoint/2010/main" val="2356578391"/>
+        <p14:creationId xmlns:p14="http://schemas.microsoft.com/office/powerpoint/2010/main" val="489361415"/>
       </p:ext>
     </p:extLst>
   </p:cSld>
@@ -2498,7 +2497,7 @@
     </p:spTree>
     <p:extLst>
       <p:ext uri="{BB962C8B-B14F-4D97-AF65-F5344CB8AC3E}">
-        <p14:creationId xmlns:p14="http://schemas.microsoft.com/office/powerpoint/2010/main" val="489361415"/>
+        <p14:creationId xmlns:p14="http://schemas.microsoft.com/office/powerpoint/2010/main" val="1717799608"/>
       </p:ext>
     </p:extLst>
   </p:cSld>
@@ -2583,7 +2582,7 @@
     </p:spTree>
     <p:extLst>
       <p:ext uri="{BB962C8B-B14F-4D97-AF65-F5344CB8AC3E}">
-        <p14:creationId xmlns:p14="http://schemas.microsoft.com/office/powerpoint/2010/main" val="1717799608"/>
+        <p14:creationId xmlns:p14="http://schemas.microsoft.com/office/powerpoint/2010/main" val="2632096507"/>
       </p:ext>
     </p:extLst>
   </p:cSld>
@@ -2753,7 +2752,7 @@
     </p:spTree>
     <p:extLst>
       <p:ext uri="{BB962C8B-B14F-4D97-AF65-F5344CB8AC3E}">
-        <p14:creationId xmlns:p14="http://schemas.microsoft.com/office/powerpoint/2010/main" val="2632096507"/>
+        <p14:creationId xmlns:p14="http://schemas.microsoft.com/office/powerpoint/2010/main" val="1958997885"/>
       </p:ext>
     </p:extLst>
   </p:cSld>
@@ -2838,7 +2837,7 @@
     </p:spTree>
     <p:extLst>
       <p:ext uri="{BB962C8B-B14F-4D97-AF65-F5344CB8AC3E}">
-        <p14:creationId xmlns:p14="http://schemas.microsoft.com/office/powerpoint/2010/main" val="1958997885"/>
+        <p14:creationId xmlns:p14="http://schemas.microsoft.com/office/powerpoint/2010/main" val="2597926872"/>
       </p:ext>
     </p:extLst>
   </p:cSld>
@@ -2923,7 +2922,7 @@
     </p:spTree>
     <p:extLst>
       <p:ext uri="{BB962C8B-B14F-4D97-AF65-F5344CB8AC3E}">
-        <p14:creationId xmlns:p14="http://schemas.microsoft.com/office/powerpoint/2010/main" val="2597926872"/>
+        <p14:creationId xmlns:p14="http://schemas.microsoft.com/office/powerpoint/2010/main" val="517831320"/>
       </p:ext>
     </p:extLst>
   </p:cSld>
@@ -3008,7 +3007,7 @@
     </p:spTree>
     <p:extLst>
       <p:ext uri="{BB962C8B-B14F-4D97-AF65-F5344CB8AC3E}">
-        <p14:creationId xmlns:p14="http://schemas.microsoft.com/office/powerpoint/2010/main" val="517831320"/>
+        <p14:creationId xmlns:p14="http://schemas.microsoft.com/office/powerpoint/2010/main" val="355862584"/>
       </p:ext>
     </p:extLst>
   </p:cSld>
@@ -3093,7 +3092,7 @@
     </p:spTree>
     <p:extLst>
       <p:ext uri="{BB962C8B-B14F-4D97-AF65-F5344CB8AC3E}">
-        <p14:creationId xmlns:p14="http://schemas.microsoft.com/office/powerpoint/2010/main" val="355862584"/>
+        <p14:creationId xmlns:p14="http://schemas.microsoft.com/office/powerpoint/2010/main" val="4017186794"/>
       </p:ext>
     </p:extLst>
   </p:cSld>
@@ -3170,91 +3169,6 @@
             <a:fld id="{D5939589-3E79-4C82-AA4A-FE78234FAA59}" type="slidenum">
               <a:rPr lang="tr-TR" smtClean="0"/>
               <a:t>35</a:t>
-            </a:fld>
-            <a:endParaRPr lang="tr-TR"/>
-          </a:p>
-        </p:txBody>
-      </p:sp>
-    </p:spTree>
-    <p:extLst>
-      <p:ext uri="{BB962C8B-B14F-4D97-AF65-F5344CB8AC3E}">
-        <p14:creationId xmlns:p14="http://schemas.microsoft.com/office/powerpoint/2010/main" val="4017186794"/>
-      </p:ext>
-    </p:extLst>
-  </p:cSld>
-  <p:clrMapOvr>
-    <a:masterClrMapping/>
-  </p:clrMapOvr>
-</p:notes>
-</file>
-
-<file path=ppt/notesSlides/notesSlide36.xml><?xml version="1.0" encoding="utf-8"?>
-<p:notes xmlns:a="http://schemas.openxmlformats.org/drawingml/2006/main" xmlns:r="http://schemas.openxmlformats.org/officeDocument/2006/relationships" xmlns:p="http://schemas.openxmlformats.org/presentationml/2006/main">
-  <p:cSld>
-    <p:spTree>
-      <p:nvGrpSpPr>
-        <p:cNvPr id="1" name=""/>
-        <p:cNvGrpSpPr/>
-        <p:nvPr/>
-      </p:nvGrpSpPr>
-      <p:grpSpPr>
-        <a:xfrm>
-          <a:off x="0" y="0"/>
-          <a:ext cx="0" cy="0"/>
-          <a:chOff x="0" y="0"/>
-          <a:chExt cx="0" cy="0"/>
-        </a:xfrm>
-      </p:grpSpPr>
-      <p:sp>
-        <p:nvSpPr>
-          <p:cNvPr id="2" name="Slayt Resmi Yer Tutucusu 1"/>
-          <p:cNvSpPr>
-            <a:spLocks noGrp="1" noRot="1" noChangeAspect="1"/>
-          </p:cNvSpPr>
-          <p:nvPr>
-            <p:ph type="sldImg"/>
-          </p:nvPr>
-        </p:nvSpPr>
-        <p:spPr/>
-      </p:sp>
-      <p:sp>
-        <p:nvSpPr>
-          <p:cNvPr id="3" name="Not Yer Tutucusu 2"/>
-          <p:cNvSpPr>
-            <a:spLocks noGrp="1"/>
-          </p:cNvSpPr>
-          <p:nvPr>
-            <p:ph type="body" idx="1"/>
-          </p:nvPr>
-        </p:nvSpPr>
-        <p:spPr/>
-        <p:txBody>
-          <a:bodyPr/>
-          <a:lstStyle/>
-          <a:p>
-            <a:endParaRPr lang="tr-TR"/>
-          </a:p>
-        </p:txBody>
-      </p:sp>
-      <p:sp>
-        <p:nvSpPr>
-          <p:cNvPr id="4" name="Slayt Numarası Yer Tutucusu 3"/>
-          <p:cNvSpPr>
-            <a:spLocks noGrp="1"/>
-          </p:cNvSpPr>
-          <p:nvPr>
-            <p:ph type="sldNum" sz="quarter" idx="5"/>
-          </p:nvPr>
-        </p:nvSpPr>
-        <p:spPr/>
-        <p:txBody>
-          <a:bodyPr/>
-          <a:lstStyle/>
-          <a:p>
-            <a:pPr rtl="0"/>
-            <a:fld id="{D5939589-3E79-4C82-AA4A-FE78234FAA59}" type="slidenum">
-              <a:rPr lang="tr-TR" smtClean="0"/>
-              <a:t>36</a:t>
             </a:fld>
             <a:endParaRPr lang="tr-TR"/>
           </a:p>
@@ -16427,277 +16341,6 @@
               </a:spcAft>
             </a:pPr>
             <a:r>
-              <a:rPr lang="tr-TR" sz="2200" dirty="0">
-                <a:effectLst/>
-                <a:latin typeface="Times New Roman" panose="02020603050405020304" pitchFamily="18" charset="0"/>
-                <a:ea typeface="Calibri" panose="020F0502020204030204" pitchFamily="34" charset="0"/>
-                <a:cs typeface="Times New Roman" panose="02020603050405020304" pitchFamily="18" charset="0"/>
-              </a:rPr>
-              <a:t>R, matris elemanlarının yerine </a:t>
-            </a:r>
-            <a:r>
-              <a:rPr lang="tr-TR" sz="2200" dirty="0" err="1">
-                <a:effectLst/>
-                <a:latin typeface="Times New Roman" panose="02020603050405020304" pitchFamily="18" charset="0"/>
-                <a:ea typeface="Calibri" panose="020F0502020204030204" pitchFamily="34" charset="0"/>
-                <a:cs typeface="Times New Roman" panose="02020603050405020304" pitchFamily="18" charset="0"/>
-              </a:rPr>
-              <a:t>μR</a:t>
-            </a:r>
-            <a:r>
-              <a:rPr lang="tr-TR" sz="2200" dirty="0">
-                <a:effectLst/>
-                <a:latin typeface="Times New Roman" panose="02020603050405020304" pitchFamily="18" charset="0"/>
-                <a:ea typeface="Calibri" panose="020F0502020204030204" pitchFamily="34" charset="0"/>
-                <a:cs typeface="Times New Roman" panose="02020603050405020304" pitchFamily="18" charset="0"/>
-              </a:rPr>
-              <a:t>(</a:t>
-            </a:r>
-            <a:r>
-              <a:rPr lang="tr-TR" sz="2200" dirty="0" err="1">
-                <a:effectLst/>
-                <a:latin typeface="Times New Roman" panose="02020603050405020304" pitchFamily="18" charset="0"/>
-                <a:ea typeface="Calibri" panose="020F0502020204030204" pitchFamily="34" charset="0"/>
-                <a:cs typeface="Times New Roman" panose="02020603050405020304" pitchFamily="18" charset="0"/>
-              </a:rPr>
-              <a:t>a,b</a:t>
-            </a:r>
-            <a:r>
-              <a:rPr lang="tr-TR" sz="2200" dirty="0">
-                <a:effectLst/>
-                <a:latin typeface="Times New Roman" panose="02020603050405020304" pitchFamily="18" charset="0"/>
-                <a:ea typeface="Calibri" panose="020F0502020204030204" pitchFamily="34" charset="0"/>
-                <a:cs typeface="Times New Roman" panose="02020603050405020304" pitchFamily="18" charset="0"/>
-              </a:rPr>
-              <a:t>) koyarak dikdörtgen bir tablo gibi ilişkisel matris adıyla gösterilebilir.</a:t>
-            </a:r>
-          </a:p>
-          <a:p>
-            <a:pPr>
-              <a:lnSpc>
-                <a:spcPts val="2300"/>
-              </a:lnSpc>
-              <a:spcBef>
-                <a:spcPts val="0"/>
-              </a:spcBef>
-              <a:spcAft>
-                <a:spcPts val="1200"/>
-              </a:spcAft>
-            </a:pPr>
-            <a:endParaRPr lang="tr-TR" sz="2200" dirty="0">
-              <a:latin typeface="Times New Roman" panose="02020603050405020304" pitchFamily="18" charset="0"/>
-              <a:cs typeface="Times New Roman" panose="02020603050405020304" pitchFamily="18" charset="0"/>
-            </a:endParaRPr>
-          </a:p>
-        </p:txBody>
-      </p:sp>
-      <p:pic>
-        <p:nvPicPr>
-          <p:cNvPr id="5" name="Resim 4">
-            <a:extLst>
-              <a:ext uri="{FF2B5EF4-FFF2-40B4-BE49-F238E27FC236}">
-                <a16:creationId xmlns:a16="http://schemas.microsoft.com/office/drawing/2014/main" id="{6B8EE74C-DDFC-1DA4-A515-05520696430A}"/>
-              </a:ext>
-            </a:extLst>
-          </p:cNvPr>
-          <p:cNvPicPr>
-            <a:picLocks noChangeAspect="1"/>
-          </p:cNvPicPr>
-          <p:nvPr/>
-        </p:nvPicPr>
-        <p:blipFill>
-          <a:blip r:embed="rId3"/>
-          <a:stretch>
-            <a:fillRect/>
-          </a:stretch>
-        </p:blipFill>
-        <p:spPr>
-          <a:xfrm>
-            <a:off x="2268030" y="2555874"/>
-            <a:ext cx="6598027" cy="2435225"/>
-          </a:xfrm>
-          <a:prstGeom prst="rect">
-            <a:avLst/>
-          </a:prstGeom>
-        </p:spPr>
-      </p:pic>
-    </p:spTree>
-    <p:extLst>
-      <p:ext uri="{BB962C8B-B14F-4D97-AF65-F5344CB8AC3E}">
-        <p14:creationId xmlns:p14="http://schemas.microsoft.com/office/powerpoint/2010/main" val="2692183953"/>
-      </p:ext>
-    </p:extLst>
-  </p:cSld>
-  <p:clrMapOvr>
-    <a:masterClrMapping/>
-  </p:clrMapOvr>
-</p:sld>
-</file>
-
-<file path=ppt/slides/slide15.xml><?xml version="1.0" encoding="utf-8"?>
-<p:sld xmlns:a="http://schemas.openxmlformats.org/drawingml/2006/main" xmlns:r="http://schemas.openxmlformats.org/officeDocument/2006/relationships" xmlns:p="http://schemas.openxmlformats.org/presentationml/2006/main">
-  <p:cSld>
-    <p:spTree>
-      <p:nvGrpSpPr>
-        <p:cNvPr id="1" name=""/>
-        <p:cNvGrpSpPr/>
-        <p:nvPr/>
-      </p:nvGrpSpPr>
-      <p:grpSpPr>
-        <a:xfrm>
-          <a:off x="0" y="0"/>
-          <a:ext cx="0" cy="0"/>
-          <a:chOff x="0" y="0"/>
-          <a:chExt cx="0" cy="0"/>
-        </a:xfrm>
-      </p:grpSpPr>
-      <p:sp>
-        <p:nvSpPr>
-          <p:cNvPr id="4" name="Başlık 3">
-            <a:extLst>
-              <a:ext uri="{FF2B5EF4-FFF2-40B4-BE49-F238E27FC236}">
-                <a16:creationId xmlns:a16="http://schemas.microsoft.com/office/drawing/2014/main" id="{55E27C7C-4B68-4BBC-BF36-8959D8493E4A}"/>
-              </a:ext>
-            </a:extLst>
-          </p:cNvPr>
-          <p:cNvSpPr>
-            <a:spLocks noGrp="1"/>
-          </p:cNvSpPr>
-          <p:nvPr>
-            <p:ph type="title"/>
-          </p:nvPr>
-        </p:nvSpPr>
-        <p:spPr>
-          <a:xfrm>
-            <a:off x="838200" y="681037"/>
-            <a:ext cx="10515600" cy="610821"/>
-          </a:xfrm>
-        </p:spPr>
-        <p:txBody>
-          <a:bodyPr rtlCol="0">
-            <a:normAutofit/>
-          </a:bodyPr>
-          <a:lstStyle/>
-          <a:p>
-            <a:pPr marL="0" indent="0" algn="ctr">
-              <a:lnSpc>
-                <a:spcPts val="2300"/>
-              </a:lnSpc>
-              <a:spcBef>
-                <a:spcPts val="0"/>
-              </a:spcBef>
-              <a:spcAft>
-                <a:spcPts val="1200"/>
-              </a:spcAft>
-              <a:buNone/>
-            </a:pPr>
-            <a:r>
-              <a:rPr lang="tr-TR" sz="4000" b="1" dirty="0">
-                <a:latin typeface="Times New Roman" panose="02020603050405020304" pitchFamily="18" charset="0"/>
-                <a:cs typeface="Times New Roman" panose="02020603050405020304" pitchFamily="18" charset="0"/>
-              </a:rPr>
-              <a:t>Bulanık İlişkiler (</a:t>
-            </a:r>
-            <a:r>
-              <a:rPr lang="tr-TR" sz="4000" b="1" dirty="0" err="1">
-                <a:latin typeface="Times New Roman" panose="02020603050405020304" pitchFamily="18" charset="0"/>
-                <a:cs typeface="Times New Roman" panose="02020603050405020304" pitchFamily="18" charset="0"/>
-              </a:rPr>
-              <a:t>FuzzyRelations</a:t>
-            </a:r>
-            <a:r>
-              <a:rPr lang="tr-TR" sz="4000" b="1" dirty="0">
-                <a:latin typeface="Times New Roman" panose="02020603050405020304" pitchFamily="18" charset="0"/>
-                <a:cs typeface="Times New Roman" panose="02020603050405020304" pitchFamily="18" charset="0"/>
-              </a:rPr>
-              <a:t>)</a:t>
-            </a:r>
-          </a:p>
-        </p:txBody>
-      </p:sp>
-      <p:sp>
-        <p:nvSpPr>
-          <p:cNvPr id="9" name="Slayt Numarası Yer Tutucusu 5">
-            <a:extLst>
-              <a:ext uri="{FF2B5EF4-FFF2-40B4-BE49-F238E27FC236}">
-                <a16:creationId xmlns:a16="http://schemas.microsoft.com/office/drawing/2014/main" id="{4FC290B8-BF94-4636-BFAB-9FD67F4AAC6D}"/>
-              </a:ext>
-            </a:extLst>
-          </p:cNvPr>
-          <p:cNvSpPr>
-            <a:spLocks noGrp="1"/>
-          </p:cNvSpPr>
-          <p:nvPr>
-            <p:ph type="sldNum" sz="quarter" idx="12"/>
-          </p:nvPr>
-        </p:nvSpPr>
-        <p:spPr>
-          <a:xfrm>
-            <a:off x="8610600" y="6356350"/>
-            <a:ext cx="2743200" cy="365125"/>
-          </a:xfrm>
-        </p:spPr>
-        <p:txBody>
-          <a:bodyPr rtlCol="0"/>
-          <a:lstStyle/>
-          <a:p>
-            <a:pPr rtl="0"/>
-            <a:fld id="{D8DA9DAA-006C-4F4B-980E-E3DF019B24E2}" type="slidenum">
-              <a:rPr lang="tr-TR" b="1" cap="all" spc="100" smtClean="0">
-                <a:solidFill>
-                  <a:schemeClr val="accent2"/>
-                </a:solidFill>
-              </a:rPr>
-              <a:t>15</a:t>
-            </a:fld>
-            <a:endParaRPr lang="tr-TR" b="1" cap="all" spc="100" dirty="0">
-              <a:solidFill>
-                <a:schemeClr val="accent2"/>
-              </a:solidFill>
-            </a:endParaRPr>
-          </a:p>
-        </p:txBody>
-      </p:sp>
-      <p:sp>
-        <p:nvSpPr>
-          <p:cNvPr id="3" name="İçerik Yer Tutucusu 2">
-            <a:extLst>
-              <a:ext uri="{FF2B5EF4-FFF2-40B4-BE49-F238E27FC236}">
-                <a16:creationId xmlns:a16="http://schemas.microsoft.com/office/drawing/2014/main" id="{839B2505-A752-6959-A64F-4ADB0FD16C45}"/>
-              </a:ext>
-            </a:extLst>
-          </p:cNvPr>
-          <p:cNvSpPr>
-            <a:spLocks noGrp="1"/>
-          </p:cNvSpPr>
-          <p:nvPr>
-            <p:ph idx="1"/>
-          </p:nvPr>
-        </p:nvSpPr>
-        <p:spPr>
-          <a:xfrm>
-            <a:off x="838200" y="1376178"/>
-            <a:ext cx="10515600" cy="5191675"/>
-          </a:xfrm>
-        </p:spPr>
-        <p:txBody>
-          <a:bodyPr>
-            <a:normAutofit/>
-          </a:bodyPr>
-          <a:lstStyle/>
-          <a:p>
-            <a:pPr>
-              <a:lnSpc>
-                <a:spcPts val="2300"/>
-              </a:lnSpc>
-              <a:spcBef>
-                <a:spcPts val="0"/>
-              </a:spcBef>
-              <a:spcAft>
-                <a:spcPts val="1200"/>
-              </a:spcAft>
-            </a:pPr>
-            <a:r>
               <a:rPr lang="tr-TR" sz="2200" b="1" dirty="0">
                 <a:effectLst/>
                 <a:latin typeface="Times New Roman" panose="02020603050405020304" pitchFamily="18" charset="0"/>
@@ -16914,7 +16557,7 @@
 </p:sld>
 </file>
 
-<file path=ppt/slides/slide16.xml><?xml version="1.0" encoding="utf-8"?>
+<file path=ppt/slides/slide15.xml><?xml version="1.0" encoding="utf-8"?>
 <p:sld xmlns:a="http://schemas.openxmlformats.org/drawingml/2006/main" xmlns:r="http://schemas.openxmlformats.org/officeDocument/2006/relationships" xmlns:p="http://schemas.openxmlformats.org/presentationml/2006/main">
   <p:cSld>
     <p:spTree>
@@ -17014,7 +16657,7 @@
                   <a:schemeClr val="accent2"/>
                 </a:solidFill>
               </a:rPr>
-              <a:t>16</a:t>
+              <a:t>15</a:t>
             </a:fld>
             <a:endParaRPr lang="tr-TR" b="1" cap="all" spc="100" dirty="0">
               <a:solidFill>
@@ -17195,7 +16838,7 @@
 </p:sld>
 </file>
 
-<file path=ppt/slides/slide17.xml><?xml version="1.0" encoding="utf-8"?>
+<file path=ppt/slides/slide16.xml><?xml version="1.0" encoding="utf-8"?>
 <p:sld xmlns:a="http://schemas.openxmlformats.org/drawingml/2006/main" xmlns:r="http://schemas.openxmlformats.org/officeDocument/2006/relationships" xmlns:p="http://schemas.openxmlformats.org/presentationml/2006/main">
   <p:cSld>
     <p:spTree>
@@ -17295,7 +16938,7 @@
                   <a:schemeClr val="accent2"/>
                 </a:solidFill>
               </a:rPr>
-              <a:t>17</a:t>
+              <a:t>16</a:t>
             </a:fld>
             <a:endParaRPr lang="tr-TR" b="1" cap="all" spc="100" dirty="0">
               <a:solidFill>
@@ -17350,7 +16993,7 @@
 </p:sld>
 </file>
 
-<file path=ppt/slides/slide18.xml><?xml version="1.0" encoding="utf-8"?>
+<file path=ppt/slides/slide17.xml><?xml version="1.0" encoding="utf-8"?>
 <p:sld xmlns:a="http://schemas.openxmlformats.org/drawingml/2006/main" xmlns:r="http://schemas.openxmlformats.org/officeDocument/2006/relationships" xmlns:p="http://schemas.openxmlformats.org/presentationml/2006/main">
   <p:cSld>
     <p:spTree>
@@ -17450,7 +17093,7 @@
                   <a:schemeClr val="accent2"/>
                 </a:solidFill>
               </a:rPr>
-              <a:t>18</a:t>
+              <a:t>17</a:t>
             </a:fld>
             <a:endParaRPr lang="tr-TR" b="1" cap="all" spc="100" dirty="0">
               <a:solidFill>
@@ -17711,7 +17354,7 @@
 </p:sld>
 </file>
 
-<file path=ppt/slides/slide19.xml><?xml version="1.0" encoding="utf-8"?>
+<file path=ppt/slides/slide18.xml><?xml version="1.0" encoding="utf-8"?>
 <p:sld xmlns:a="http://schemas.openxmlformats.org/drawingml/2006/main" xmlns:r="http://schemas.openxmlformats.org/officeDocument/2006/relationships" xmlns:p="http://schemas.openxmlformats.org/presentationml/2006/main">
   <p:cSld>
     <p:spTree>
@@ -17811,7 +17454,7 @@
                   <a:schemeClr val="accent2"/>
                 </a:solidFill>
               </a:rPr>
-              <a:t>19</a:t>
+              <a:t>18</a:t>
             </a:fld>
             <a:endParaRPr lang="tr-TR" b="1" cap="all" spc="100" dirty="0">
               <a:solidFill>
@@ -18130,7 +17773,7 @@
 </p:sld>
 </file>
 
-<file path=ppt/slides/slide2.xml><?xml version="1.0" encoding="utf-8"?>
+<file path=ppt/slides/slide19.xml><?xml version="1.0" encoding="utf-8"?>
 <p:sld xmlns:a="http://schemas.openxmlformats.org/drawingml/2006/main" xmlns:r="http://schemas.openxmlformats.org/officeDocument/2006/relationships" xmlns:p="http://schemas.openxmlformats.org/presentationml/2006/main">
   <p:cSld>
     <p:spTree>
@@ -18149,169 +17792,6 @@
       </p:grpSpPr>
       <p:sp>
         <p:nvSpPr>
-          <p:cNvPr id="3" name="Başlık 2">
-            <a:extLst>
-              <a:ext uri="{FF2B5EF4-FFF2-40B4-BE49-F238E27FC236}">
-                <a16:creationId xmlns:a16="http://schemas.microsoft.com/office/drawing/2014/main" id="{1DDBBC93-70DF-4E4E-98E3-08124185AB18}"/>
-              </a:ext>
-            </a:extLst>
-          </p:cNvPr>
-          <p:cNvSpPr>
-            <a:spLocks noGrp="1"/>
-          </p:cNvSpPr>
-          <p:nvPr>
-            <p:ph type="title"/>
-          </p:nvPr>
-        </p:nvSpPr>
-        <p:spPr/>
-        <p:txBody>
-          <a:bodyPr rtlCol="0"/>
-          <a:lstStyle/>
-          <a:p>
-            <a:pPr rtl="0"/>
-            <a:r>
-              <a:rPr lang="tr-TR" b="1" cap="all" spc="400" dirty="0">
-                <a:solidFill>
-                  <a:schemeClr val="bg1"/>
-                </a:solidFill>
-                <a:latin typeface="+mn-lt"/>
-              </a:rPr>
-              <a:t>BULANIK MANTIK</a:t>
-            </a:r>
-            <a:endParaRPr lang="tr-TR" dirty="0"/>
-          </a:p>
-        </p:txBody>
-      </p:sp>
-      <p:sp>
-        <p:nvSpPr>
-          <p:cNvPr id="4" name="Metin Yer Tutucusu 3">
-            <a:extLst>
-              <a:ext uri="{FF2B5EF4-FFF2-40B4-BE49-F238E27FC236}">
-                <a16:creationId xmlns:a16="http://schemas.microsoft.com/office/drawing/2014/main" id="{65DE74E9-AA78-46C1-845A-0B72FA8AF35E}"/>
-              </a:ext>
-            </a:extLst>
-          </p:cNvPr>
-          <p:cNvSpPr>
-            <a:spLocks noGrp="1"/>
-          </p:cNvSpPr>
-          <p:nvPr>
-            <p:ph type="body" sz="quarter" idx="13"/>
-          </p:nvPr>
-        </p:nvSpPr>
-        <p:spPr/>
-        <p:txBody>
-          <a:bodyPr rtlCol="0"/>
-          <a:lstStyle/>
-          <a:p>
-            <a:pPr algn="r" rtl="0"/>
-            <a:r>
-              <a:rPr lang="tr-TR" sz="1800" dirty="0">
-                <a:solidFill>
-                  <a:schemeClr val="bg1"/>
-                </a:solidFill>
-              </a:rPr>
-              <a:t>Bulanık Mantık</a:t>
-            </a:r>
-          </a:p>
-          <a:p>
-            <a:pPr algn="r" rtl="0"/>
-            <a:r>
-              <a:rPr lang="tr-TR" sz="1800" dirty="0">
-                <a:solidFill>
-                  <a:schemeClr val="bg1"/>
-                </a:solidFill>
-              </a:rPr>
-              <a:t>Denetleyicileri</a:t>
-            </a:r>
-          </a:p>
-        </p:txBody>
-      </p:sp>
-      <p:pic>
-        <p:nvPicPr>
-          <p:cNvPr id="6" name="Resim Yer Tutucusu 5" descr="gün batımı sırasında dağlar">
-            <a:extLst>
-              <a:ext uri="{FF2B5EF4-FFF2-40B4-BE49-F238E27FC236}">
-                <a16:creationId xmlns:a16="http://schemas.microsoft.com/office/drawing/2014/main" id="{4642631A-6ABE-41EA-A308-9CF1230F1421}"/>
-              </a:ext>
-            </a:extLst>
-          </p:cNvPr>
-          <p:cNvPicPr>
-            <a:picLocks noGrp="1" noChangeAspect="1"/>
-          </p:cNvPicPr>
-          <p:nvPr>
-            <p:ph type="pic" sz="quarter" idx="14"/>
-          </p:nvPr>
-        </p:nvPicPr>
-        <p:blipFill rotWithShape="1">
-          <a:blip r:embed="rId3"/>
-          <a:srcRect/>
-          <a:stretch/>
-        </p:blipFill>
-        <p:spPr/>
-      </p:pic>
-      <p:sp>
-        <p:nvSpPr>
-          <p:cNvPr id="9" name="Slayt Numarası Yer Tutucusu 8">
-            <a:extLst>
-              <a:ext uri="{FF2B5EF4-FFF2-40B4-BE49-F238E27FC236}">
-                <a16:creationId xmlns:a16="http://schemas.microsoft.com/office/drawing/2014/main" id="{6DCF8D89-56D9-4E2B-9838-07DFB6E9D2BB}"/>
-              </a:ext>
-            </a:extLst>
-          </p:cNvPr>
-          <p:cNvSpPr>
-            <a:spLocks noGrp="1"/>
-          </p:cNvSpPr>
-          <p:nvPr>
-            <p:ph type="sldNum" sz="quarter" idx="12"/>
-          </p:nvPr>
-        </p:nvSpPr>
-        <p:spPr/>
-        <p:txBody>
-          <a:bodyPr rtlCol="0"/>
-          <a:lstStyle/>
-          <a:p>
-            <a:pPr rtl="0"/>
-            <a:fld id="{D8DA9DAA-006C-4F4B-980E-E3DF019B24E2}" type="slidenum">
-              <a:rPr lang="tr-TR" smtClean="0"/>
-              <a:pPr/>
-              <a:t>2</a:t>
-            </a:fld>
-            <a:endParaRPr lang="tr-TR"/>
-          </a:p>
-        </p:txBody>
-      </p:sp>
-    </p:spTree>
-    <p:extLst>
-      <p:ext uri="{BB962C8B-B14F-4D97-AF65-F5344CB8AC3E}">
-        <p14:creationId xmlns:p14="http://schemas.microsoft.com/office/powerpoint/2010/main" val="1613598062"/>
-      </p:ext>
-    </p:extLst>
-  </p:cSld>
-  <p:clrMapOvr>
-    <a:masterClrMapping/>
-  </p:clrMapOvr>
-</p:sld>
-</file>
-
-<file path=ppt/slides/slide20.xml><?xml version="1.0" encoding="utf-8"?>
-<p:sld xmlns:a="http://schemas.openxmlformats.org/drawingml/2006/main" xmlns:r="http://schemas.openxmlformats.org/officeDocument/2006/relationships" xmlns:p="http://schemas.openxmlformats.org/presentationml/2006/main">
-  <p:cSld>
-    <p:spTree>
-      <p:nvGrpSpPr>
-        <p:cNvPr id="1" name=""/>
-        <p:cNvGrpSpPr/>
-        <p:nvPr/>
-      </p:nvGrpSpPr>
-      <p:grpSpPr>
-        <a:xfrm>
-          <a:off x="0" y="0"/>
-          <a:ext cx="0" cy="0"/>
-          <a:chOff x="0" y="0"/>
-          <a:chExt cx="0" cy="0"/>
-        </a:xfrm>
-      </p:grpSpPr>
-      <p:sp>
-        <p:nvSpPr>
           <p:cNvPr id="4" name="Başlık 3">
             <a:extLst>
               <a:ext uri="{FF2B5EF4-FFF2-40B4-BE49-F238E27FC236}">
@@ -18393,7 +17873,7 @@
                   <a:schemeClr val="accent2"/>
                 </a:solidFill>
               </a:rPr>
-              <a:t>20</a:t>
+              <a:t>19</a:t>
             </a:fld>
             <a:endParaRPr lang="tr-TR" b="1" cap="all" spc="100" dirty="0">
               <a:solidFill>
@@ -18638,7 +18118,7 @@
 </p:sld>
 </file>
 
-<file path=ppt/slides/slide21.xml><?xml version="1.0" encoding="utf-8"?>
+<file path=ppt/slides/slide2.xml><?xml version="1.0" encoding="utf-8"?>
 <p:sld xmlns:a="http://schemas.openxmlformats.org/drawingml/2006/main" xmlns:r="http://schemas.openxmlformats.org/officeDocument/2006/relationships" xmlns:p="http://schemas.openxmlformats.org/presentationml/2006/main">
   <p:cSld>
     <p:spTree>
@@ -18657,6 +18137,169 @@
       </p:grpSpPr>
       <p:sp>
         <p:nvSpPr>
+          <p:cNvPr id="3" name="Başlık 2">
+            <a:extLst>
+              <a:ext uri="{FF2B5EF4-FFF2-40B4-BE49-F238E27FC236}">
+                <a16:creationId xmlns:a16="http://schemas.microsoft.com/office/drawing/2014/main" id="{1DDBBC93-70DF-4E4E-98E3-08124185AB18}"/>
+              </a:ext>
+            </a:extLst>
+          </p:cNvPr>
+          <p:cNvSpPr>
+            <a:spLocks noGrp="1"/>
+          </p:cNvSpPr>
+          <p:nvPr>
+            <p:ph type="title"/>
+          </p:nvPr>
+        </p:nvSpPr>
+        <p:spPr/>
+        <p:txBody>
+          <a:bodyPr rtlCol="0"/>
+          <a:lstStyle/>
+          <a:p>
+            <a:pPr rtl="0"/>
+            <a:r>
+              <a:rPr lang="tr-TR" b="1" cap="all" spc="400" dirty="0">
+                <a:solidFill>
+                  <a:schemeClr val="bg1"/>
+                </a:solidFill>
+                <a:latin typeface="+mn-lt"/>
+              </a:rPr>
+              <a:t>BULANIK MANTIK</a:t>
+            </a:r>
+            <a:endParaRPr lang="tr-TR" dirty="0"/>
+          </a:p>
+        </p:txBody>
+      </p:sp>
+      <p:sp>
+        <p:nvSpPr>
+          <p:cNvPr id="4" name="Metin Yer Tutucusu 3">
+            <a:extLst>
+              <a:ext uri="{FF2B5EF4-FFF2-40B4-BE49-F238E27FC236}">
+                <a16:creationId xmlns:a16="http://schemas.microsoft.com/office/drawing/2014/main" id="{65DE74E9-AA78-46C1-845A-0B72FA8AF35E}"/>
+              </a:ext>
+            </a:extLst>
+          </p:cNvPr>
+          <p:cNvSpPr>
+            <a:spLocks noGrp="1"/>
+          </p:cNvSpPr>
+          <p:nvPr>
+            <p:ph type="body" sz="quarter" idx="13"/>
+          </p:nvPr>
+        </p:nvSpPr>
+        <p:spPr/>
+        <p:txBody>
+          <a:bodyPr rtlCol="0"/>
+          <a:lstStyle/>
+          <a:p>
+            <a:pPr algn="r" rtl="0"/>
+            <a:r>
+              <a:rPr lang="tr-TR" sz="1800" dirty="0">
+                <a:solidFill>
+                  <a:schemeClr val="bg1"/>
+                </a:solidFill>
+              </a:rPr>
+              <a:t>Bulanık Mantık</a:t>
+            </a:r>
+          </a:p>
+          <a:p>
+            <a:pPr algn="r" rtl="0"/>
+            <a:r>
+              <a:rPr lang="tr-TR" sz="1800" dirty="0">
+                <a:solidFill>
+                  <a:schemeClr val="bg1"/>
+                </a:solidFill>
+              </a:rPr>
+              <a:t>Denetleyicileri</a:t>
+            </a:r>
+          </a:p>
+        </p:txBody>
+      </p:sp>
+      <p:pic>
+        <p:nvPicPr>
+          <p:cNvPr id="6" name="Resim Yer Tutucusu 5" descr="gün batımı sırasında dağlar">
+            <a:extLst>
+              <a:ext uri="{FF2B5EF4-FFF2-40B4-BE49-F238E27FC236}">
+                <a16:creationId xmlns:a16="http://schemas.microsoft.com/office/drawing/2014/main" id="{4642631A-6ABE-41EA-A308-9CF1230F1421}"/>
+              </a:ext>
+            </a:extLst>
+          </p:cNvPr>
+          <p:cNvPicPr>
+            <a:picLocks noGrp="1" noChangeAspect="1"/>
+          </p:cNvPicPr>
+          <p:nvPr>
+            <p:ph type="pic" sz="quarter" idx="14"/>
+          </p:nvPr>
+        </p:nvPicPr>
+        <p:blipFill rotWithShape="1">
+          <a:blip r:embed="rId3"/>
+          <a:srcRect/>
+          <a:stretch/>
+        </p:blipFill>
+        <p:spPr/>
+      </p:pic>
+      <p:sp>
+        <p:nvSpPr>
+          <p:cNvPr id="9" name="Slayt Numarası Yer Tutucusu 8">
+            <a:extLst>
+              <a:ext uri="{FF2B5EF4-FFF2-40B4-BE49-F238E27FC236}">
+                <a16:creationId xmlns:a16="http://schemas.microsoft.com/office/drawing/2014/main" id="{6DCF8D89-56D9-4E2B-9838-07DFB6E9D2BB}"/>
+              </a:ext>
+            </a:extLst>
+          </p:cNvPr>
+          <p:cNvSpPr>
+            <a:spLocks noGrp="1"/>
+          </p:cNvSpPr>
+          <p:nvPr>
+            <p:ph type="sldNum" sz="quarter" idx="12"/>
+          </p:nvPr>
+        </p:nvSpPr>
+        <p:spPr/>
+        <p:txBody>
+          <a:bodyPr rtlCol="0"/>
+          <a:lstStyle/>
+          <a:p>
+            <a:pPr rtl="0"/>
+            <a:fld id="{D8DA9DAA-006C-4F4B-980E-E3DF019B24E2}" type="slidenum">
+              <a:rPr lang="tr-TR" smtClean="0"/>
+              <a:pPr/>
+              <a:t>2</a:t>
+            </a:fld>
+            <a:endParaRPr lang="tr-TR"/>
+          </a:p>
+        </p:txBody>
+      </p:sp>
+    </p:spTree>
+    <p:extLst>
+      <p:ext uri="{BB962C8B-B14F-4D97-AF65-F5344CB8AC3E}">
+        <p14:creationId xmlns:p14="http://schemas.microsoft.com/office/powerpoint/2010/main" val="1613598062"/>
+      </p:ext>
+    </p:extLst>
+  </p:cSld>
+  <p:clrMapOvr>
+    <a:masterClrMapping/>
+  </p:clrMapOvr>
+</p:sld>
+</file>
+
+<file path=ppt/slides/slide20.xml><?xml version="1.0" encoding="utf-8"?>
+<p:sld xmlns:a="http://schemas.openxmlformats.org/drawingml/2006/main" xmlns:r="http://schemas.openxmlformats.org/officeDocument/2006/relationships" xmlns:p="http://schemas.openxmlformats.org/presentationml/2006/main">
+  <p:cSld>
+    <p:spTree>
+      <p:nvGrpSpPr>
+        <p:cNvPr id="1" name=""/>
+        <p:cNvGrpSpPr/>
+        <p:nvPr/>
+      </p:nvGrpSpPr>
+      <p:grpSpPr>
+        <a:xfrm>
+          <a:off x="0" y="0"/>
+          <a:ext cx="0" cy="0"/>
+          <a:chOff x="0" y="0"/>
+          <a:chExt cx="0" cy="0"/>
+        </a:xfrm>
+      </p:grpSpPr>
+      <p:sp>
+        <p:nvSpPr>
           <p:cNvPr id="4" name="Başlık 3">
             <a:extLst>
               <a:ext uri="{FF2B5EF4-FFF2-40B4-BE49-F238E27FC236}">
@@ -18738,7 +18381,7 @@
                   <a:schemeClr val="accent2"/>
                 </a:solidFill>
               </a:rPr>
-              <a:t>21</a:t>
+              <a:t>20</a:t>
             </a:fld>
             <a:endParaRPr lang="tr-TR" b="1" cap="all" spc="100" dirty="0">
               <a:solidFill>
@@ -18962,7 +18605,7 @@
 </p:sld>
 </file>
 
-<file path=ppt/slides/slide22.xml><?xml version="1.0" encoding="utf-8"?>
+<file path=ppt/slides/slide21.xml><?xml version="1.0" encoding="utf-8"?>
 <p:sld xmlns:a="http://schemas.openxmlformats.org/drawingml/2006/main" xmlns:r="http://schemas.openxmlformats.org/officeDocument/2006/relationships" xmlns:p="http://schemas.openxmlformats.org/presentationml/2006/main">
   <p:cSld>
     <p:spTree>
@@ -19062,7 +18705,7 @@
                   <a:schemeClr val="accent2"/>
                 </a:solidFill>
               </a:rPr>
-              <a:t>22</a:t>
+              <a:t>21</a:t>
             </a:fld>
             <a:endParaRPr lang="tr-TR" b="1" cap="all" spc="100" dirty="0">
               <a:solidFill>
@@ -19326,7 +18969,7 @@
 </p:sld>
 </file>
 
-<file path=ppt/slides/slide23.xml><?xml version="1.0" encoding="utf-8"?>
+<file path=ppt/slides/slide22.xml><?xml version="1.0" encoding="utf-8"?>
 <p:sld xmlns:a="http://schemas.openxmlformats.org/drawingml/2006/main" xmlns:r="http://schemas.openxmlformats.org/officeDocument/2006/relationships" xmlns:p="http://schemas.openxmlformats.org/presentationml/2006/main">
   <p:cSld>
     <p:spTree>
@@ -19426,7 +19069,7 @@
                   <a:schemeClr val="accent2"/>
                 </a:solidFill>
               </a:rPr>
-              <a:t>23</a:t>
+              <a:t>22</a:t>
             </a:fld>
             <a:endParaRPr lang="tr-TR" b="1" cap="all" spc="100" dirty="0">
               <a:solidFill>
@@ -19704,6 +19347,702 @@
 </p:sld>
 </file>
 
+<file path=ppt/slides/slide23.xml><?xml version="1.0" encoding="utf-8"?>
+<p:sld xmlns:a="http://schemas.openxmlformats.org/drawingml/2006/main" xmlns:r="http://schemas.openxmlformats.org/officeDocument/2006/relationships" xmlns:p="http://schemas.openxmlformats.org/presentationml/2006/main">
+  <p:cSld>
+    <p:spTree>
+      <p:nvGrpSpPr>
+        <p:cNvPr id="1" name=""/>
+        <p:cNvGrpSpPr/>
+        <p:nvPr/>
+      </p:nvGrpSpPr>
+      <p:grpSpPr>
+        <a:xfrm>
+          <a:off x="0" y="0"/>
+          <a:ext cx="0" cy="0"/>
+          <a:chOff x="0" y="0"/>
+          <a:chExt cx="0" cy="0"/>
+        </a:xfrm>
+      </p:grpSpPr>
+      <p:sp>
+        <p:nvSpPr>
+          <p:cNvPr id="4" name="Başlık 3">
+            <a:extLst>
+              <a:ext uri="{FF2B5EF4-FFF2-40B4-BE49-F238E27FC236}">
+                <a16:creationId xmlns:a16="http://schemas.microsoft.com/office/drawing/2014/main" id="{55E27C7C-4B68-4BBC-BF36-8959D8493E4A}"/>
+              </a:ext>
+            </a:extLst>
+          </p:cNvPr>
+          <p:cNvSpPr>
+            <a:spLocks noGrp="1"/>
+          </p:cNvSpPr>
+          <p:nvPr>
+            <p:ph type="title"/>
+          </p:nvPr>
+        </p:nvSpPr>
+        <p:spPr>
+          <a:xfrm>
+            <a:off x="838200" y="396825"/>
+            <a:ext cx="10515600" cy="610821"/>
+          </a:xfrm>
+        </p:spPr>
+        <p:txBody>
+          <a:bodyPr rtlCol="0">
+            <a:normAutofit/>
+          </a:bodyPr>
+          <a:lstStyle/>
+          <a:p>
+            <a:pPr marL="0" indent="0" algn="ctr">
+              <a:lnSpc>
+                <a:spcPts val="2300"/>
+              </a:lnSpc>
+              <a:spcBef>
+                <a:spcPts val="0"/>
+              </a:spcBef>
+              <a:spcAft>
+                <a:spcPts val="1200"/>
+              </a:spcAft>
+              <a:buNone/>
+            </a:pPr>
+            <a:r>
+              <a:rPr lang="tr-TR" sz="4000" b="1" dirty="0">
+                <a:latin typeface="Times New Roman" panose="02020603050405020304" pitchFamily="18" charset="0"/>
+                <a:cs typeface="Times New Roman" panose="02020603050405020304" pitchFamily="18" charset="0"/>
+              </a:rPr>
+              <a:t>Farklı Çarpım Uzayında İlişkiler ve Bileşimler</a:t>
+            </a:r>
+          </a:p>
+        </p:txBody>
+      </p:sp>
+      <p:sp>
+        <p:nvSpPr>
+          <p:cNvPr id="9" name="Slayt Numarası Yer Tutucusu 5">
+            <a:extLst>
+              <a:ext uri="{FF2B5EF4-FFF2-40B4-BE49-F238E27FC236}">
+                <a16:creationId xmlns:a16="http://schemas.microsoft.com/office/drawing/2014/main" id="{4FC290B8-BF94-4636-BFAB-9FD67F4AAC6D}"/>
+              </a:ext>
+            </a:extLst>
+          </p:cNvPr>
+          <p:cNvSpPr>
+            <a:spLocks noGrp="1"/>
+          </p:cNvSpPr>
+          <p:nvPr>
+            <p:ph type="sldNum" sz="quarter" idx="12"/>
+          </p:nvPr>
+        </p:nvSpPr>
+        <p:spPr>
+          <a:xfrm>
+            <a:off x="8610600" y="6356350"/>
+            <a:ext cx="2743200" cy="365125"/>
+          </a:xfrm>
+        </p:spPr>
+        <p:txBody>
+          <a:bodyPr rtlCol="0"/>
+          <a:lstStyle/>
+          <a:p>
+            <a:pPr rtl="0"/>
+            <a:fld id="{D8DA9DAA-006C-4F4B-980E-E3DF019B24E2}" type="slidenum">
+              <a:rPr lang="tr-TR" b="1" cap="all" spc="100" smtClean="0">
+                <a:solidFill>
+                  <a:schemeClr val="accent2"/>
+                </a:solidFill>
+              </a:rPr>
+              <a:t>23</a:t>
+            </a:fld>
+            <a:endParaRPr lang="tr-TR" b="1" cap="all" spc="100" dirty="0">
+              <a:solidFill>
+                <a:schemeClr val="accent2"/>
+              </a:solidFill>
+            </a:endParaRPr>
+          </a:p>
+        </p:txBody>
+      </p:sp>
+      <p:sp>
+        <p:nvSpPr>
+          <p:cNvPr id="5" name="İçerik Yer Tutucusu 4">
+            <a:extLst>
+              <a:ext uri="{FF2B5EF4-FFF2-40B4-BE49-F238E27FC236}">
+                <a16:creationId xmlns:a16="http://schemas.microsoft.com/office/drawing/2014/main" id="{B865B57B-DBA5-4404-BAEF-E4634405BB26}"/>
+              </a:ext>
+            </a:extLst>
+          </p:cNvPr>
+          <p:cNvSpPr>
+            <a:spLocks noGrp="1"/>
+          </p:cNvSpPr>
+          <p:nvPr>
+            <p:ph idx="1"/>
+          </p:nvPr>
+        </p:nvSpPr>
+        <p:spPr>
+          <a:xfrm>
+            <a:off x="838200" y="986446"/>
+            <a:ext cx="10515600" cy="5369904"/>
+          </a:xfrm>
+        </p:spPr>
+        <p:txBody>
+          <a:bodyPr>
+            <a:normAutofit/>
+          </a:bodyPr>
+          <a:lstStyle/>
+          <a:p>
+            <a:pPr marL="0" indent="0" algn="ctr">
+              <a:lnSpc>
+                <a:spcPts val="2800"/>
+              </a:lnSpc>
+              <a:buNone/>
+            </a:pPr>
+            <a:r>
+              <a:rPr lang="tr-TR" sz="2200" b="1" dirty="0">
+                <a:latin typeface="Times New Roman" panose="02020603050405020304" pitchFamily="18" charset="0"/>
+                <a:cs typeface="Times New Roman" panose="02020603050405020304" pitchFamily="18" charset="0"/>
+              </a:rPr>
+              <a:t>Örnek:</a:t>
+            </a:r>
+          </a:p>
+          <a:p>
+            <a:pPr algn="just">
+              <a:lnSpc>
+                <a:spcPts val="2800"/>
+              </a:lnSpc>
+            </a:pPr>
+            <a:r>
+              <a:rPr lang="tr-TR" sz="2200" dirty="0">
+                <a:latin typeface="Times New Roman" panose="02020603050405020304" pitchFamily="18" charset="0"/>
+                <a:cs typeface="Times New Roman" panose="02020603050405020304" pitchFamily="18" charset="0"/>
+              </a:rPr>
+              <a:t>Aslında, </a:t>
+            </a:r>
+            <a:r>
+              <a:rPr lang="tr-TR" sz="2200" dirty="0" err="1">
+                <a:latin typeface="Times New Roman" panose="02020603050405020304" pitchFamily="18" charset="0"/>
+                <a:cs typeface="Times New Roman" panose="02020603050405020304" pitchFamily="18" charset="0"/>
+              </a:rPr>
+              <a:t>max-min</a:t>
+            </a:r>
+            <a:r>
+              <a:rPr lang="tr-TR" sz="2200" dirty="0">
+                <a:latin typeface="Times New Roman" panose="02020603050405020304" pitchFamily="18" charset="0"/>
+                <a:cs typeface="Times New Roman" panose="02020603050405020304" pitchFamily="18" charset="0"/>
+              </a:rPr>
+              <a:t> veya </a:t>
+            </a:r>
+            <a:r>
+              <a:rPr lang="tr-TR" sz="2200" dirty="0" err="1">
+                <a:latin typeface="Times New Roman" panose="02020603050405020304" pitchFamily="18" charset="0"/>
+                <a:cs typeface="Times New Roman" panose="02020603050405020304" pitchFamily="18" charset="0"/>
+              </a:rPr>
+              <a:t>max-product</a:t>
+            </a:r>
+            <a:r>
+              <a:rPr lang="tr-TR" sz="2200" dirty="0">
+                <a:latin typeface="Times New Roman" panose="02020603050405020304" pitchFamily="18" charset="0"/>
+                <a:cs typeface="Times New Roman" panose="02020603050405020304" pitchFamily="18" charset="0"/>
+              </a:rPr>
+              <a:t> bileşim işlemleri yapılarak doğru ilişkisel matris R(U,W) elde edilmektedir.</a:t>
+            </a:r>
+          </a:p>
+          <a:p>
+            <a:pPr algn="just">
+              <a:lnSpc>
+                <a:spcPts val="2800"/>
+              </a:lnSpc>
+            </a:pPr>
+            <a:r>
+              <a:rPr lang="tr-TR" sz="2200" dirty="0">
+                <a:latin typeface="Times New Roman" panose="02020603050405020304" pitchFamily="18" charset="0"/>
+                <a:cs typeface="Times New Roman" panose="02020603050405020304" pitchFamily="18" charset="0"/>
+              </a:rPr>
+              <a:t>İlişkisel matriste R3(U,W)’ </a:t>
+            </a:r>
+            <a:r>
+              <a:rPr lang="tr-TR" sz="2200" dirty="0" err="1">
+                <a:latin typeface="Times New Roman" panose="02020603050405020304" pitchFamily="18" charset="0"/>
+                <a:cs typeface="Times New Roman" panose="02020603050405020304" pitchFamily="18" charset="0"/>
+              </a:rPr>
+              <a:t>nin</a:t>
+            </a:r>
+            <a:r>
+              <a:rPr lang="tr-TR" sz="2200" dirty="0">
+                <a:latin typeface="Times New Roman" panose="02020603050405020304" pitchFamily="18" charset="0"/>
+                <a:cs typeface="Times New Roman" panose="02020603050405020304" pitchFamily="18" charset="0"/>
+              </a:rPr>
+              <a:t> (1-2) elemanı için önerilen formülleri doğrularsak. </a:t>
+            </a:r>
+            <a:r>
+              <a:rPr lang="tr-TR" sz="2200" dirty="0" err="1">
+                <a:latin typeface="Times New Roman" panose="02020603050405020304" pitchFamily="18" charset="0"/>
+                <a:cs typeface="Times New Roman" panose="02020603050405020304" pitchFamily="18" charset="0"/>
+              </a:rPr>
+              <a:t>Max-min</a:t>
+            </a:r>
+            <a:r>
+              <a:rPr lang="tr-TR" sz="2200" dirty="0">
+                <a:latin typeface="Times New Roman" panose="02020603050405020304" pitchFamily="18" charset="0"/>
+                <a:cs typeface="Times New Roman" panose="02020603050405020304" pitchFamily="18" charset="0"/>
+              </a:rPr>
+              <a:t> kullanıldığında;</a:t>
+            </a:r>
+          </a:p>
+          <a:p>
+            <a:pPr marL="914400" lvl="2" indent="0" algn="just">
+              <a:lnSpc>
+                <a:spcPts val="2800"/>
+              </a:lnSpc>
+              <a:buNone/>
+            </a:pPr>
+            <a:r>
+              <a:rPr lang="el-GR" sz="2200" dirty="0">
+                <a:latin typeface="Times New Roman" panose="02020603050405020304" pitchFamily="18" charset="0"/>
+                <a:cs typeface="Times New Roman" panose="02020603050405020304" pitchFamily="18" charset="0"/>
+              </a:rPr>
+              <a:t>μ</a:t>
+            </a:r>
+            <a:r>
+              <a:rPr lang="tr-TR" sz="2200" dirty="0">
+                <a:latin typeface="Times New Roman" panose="02020603050405020304" pitchFamily="18" charset="0"/>
+                <a:cs typeface="Times New Roman" panose="02020603050405020304" pitchFamily="18" charset="0"/>
+              </a:rPr>
+              <a:t>R3(x1,z2) = {(x1,z2), </a:t>
+            </a:r>
+            <a:r>
+              <a:rPr lang="tr-TR" sz="2200" dirty="0" err="1">
+                <a:latin typeface="Times New Roman" panose="02020603050405020304" pitchFamily="18" charset="0"/>
+                <a:cs typeface="Times New Roman" panose="02020603050405020304" pitchFamily="18" charset="0"/>
+              </a:rPr>
+              <a:t>maxy</a:t>
+            </a:r>
+            <a:r>
+              <a:rPr lang="tr-TR" sz="2200" dirty="0">
+                <a:latin typeface="Times New Roman" panose="02020603050405020304" pitchFamily="18" charset="0"/>
+                <a:cs typeface="Times New Roman" panose="02020603050405020304" pitchFamily="18" charset="0"/>
+              </a:rPr>
+              <a:t>[</a:t>
+            </a:r>
+            <a:r>
+              <a:rPr lang="tr-TR" sz="2200" dirty="0" err="1">
+                <a:latin typeface="Times New Roman" panose="02020603050405020304" pitchFamily="18" charset="0"/>
+                <a:cs typeface="Times New Roman" panose="02020603050405020304" pitchFamily="18" charset="0"/>
+              </a:rPr>
+              <a:t>min</a:t>
+            </a:r>
+            <a:r>
+              <a:rPr lang="tr-TR" sz="2200" dirty="0">
+                <a:latin typeface="Times New Roman" panose="02020603050405020304" pitchFamily="18" charset="0"/>
+                <a:cs typeface="Times New Roman" panose="02020603050405020304" pitchFamily="18" charset="0"/>
+              </a:rPr>
+              <a:t>(</a:t>
+            </a:r>
+            <a:r>
+              <a:rPr lang="el-GR" sz="2200" dirty="0">
+                <a:latin typeface="Times New Roman" panose="02020603050405020304" pitchFamily="18" charset="0"/>
+                <a:cs typeface="Times New Roman" panose="02020603050405020304" pitchFamily="18" charset="0"/>
+              </a:rPr>
+              <a:t>μ</a:t>
+            </a:r>
+            <a:r>
+              <a:rPr lang="tr-TR" sz="2200" dirty="0">
+                <a:latin typeface="Times New Roman" panose="02020603050405020304" pitchFamily="18" charset="0"/>
+                <a:cs typeface="Times New Roman" panose="02020603050405020304" pitchFamily="18" charset="0"/>
+              </a:rPr>
+              <a:t>R1(x1,y),</a:t>
+            </a:r>
+            <a:r>
+              <a:rPr lang="el-GR" sz="2200" dirty="0">
+                <a:latin typeface="Times New Roman" panose="02020603050405020304" pitchFamily="18" charset="0"/>
+                <a:cs typeface="Times New Roman" panose="02020603050405020304" pitchFamily="18" charset="0"/>
+              </a:rPr>
+              <a:t>μ</a:t>
+            </a:r>
+            <a:r>
+              <a:rPr lang="tr-TR" sz="2200" dirty="0">
+                <a:latin typeface="Times New Roman" panose="02020603050405020304" pitchFamily="18" charset="0"/>
+                <a:cs typeface="Times New Roman" panose="02020603050405020304" pitchFamily="18" charset="0"/>
+              </a:rPr>
+              <a:t>R2(y,z2))]}</a:t>
+            </a:r>
+          </a:p>
+          <a:p>
+            <a:pPr marL="914400" lvl="2" indent="0" algn="just">
+              <a:lnSpc>
+                <a:spcPts val="2800"/>
+              </a:lnSpc>
+              <a:buNone/>
+            </a:pPr>
+            <a:r>
+              <a:rPr lang="tr-TR" sz="2200" dirty="0">
+                <a:latin typeface="Times New Roman" panose="02020603050405020304" pitchFamily="18" charset="0"/>
+                <a:cs typeface="Times New Roman" panose="02020603050405020304" pitchFamily="18" charset="0"/>
+              </a:rPr>
+              <a:t>= {(x1,z2), </a:t>
+            </a:r>
+            <a:r>
+              <a:rPr lang="tr-TR" sz="2200" dirty="0" err="1">
+                <a:latin typeface="Times New Roman" panose="02020603050405020304" pitchFamily="18" charset="0"/>
+                <a:cs typeface="Times New Roman" panose="02020603050405020304" pitchFamily="18" charset="0"/>
+              </a:rPr>
+              <a:t>max</a:t>
+            </a:r>
+            <a:r>
+              <a:rPr lang="tr-TR" sz="2200" dirty="0">
+                <a:latin typeface="Times New Roman" panose="02020603050405020304" pitchFamily="18" charset="0"/>
+                <a:cs typeface="Times New Roman" panose="02020603050405020304" pitchFamily="18" charset="0"/>
+              </a:rPr>
+              <a:t>[</a:t>
+            </a:r>
+            <a:r>
+              <a:rPr lang="tr-TR" sz="2200" dirty="0" err="1">
+                <a:latin typeface="Times New Roman" panose="02020603050405020304" pitchFamily="18" charset="0"/>
+                <a:cs typeface="Times New Roman" panose="02020603050405020304" pitchFamily="18" charset="0"/>
+              </a:rPr>
+              <a:t>min</a:t>
+            </a:r>
+            <a:r>
+              <a:rPr lang="tr-TR" sz="2200" dirty="0">
+                <a:latin typeface="Times New Roman" panose="02020603050405020304" pitchFamily="18" charset="0"/>
+                <a:cs typeface="Times New Roman" panose="02020603050405020304" pitchFamily="18" charset="0"/>
+              </a:rPr>
+              <a:t>(</a:t>
+            </a:r>
+            <a:r>
+              <a:rPr lang="el-GR" sz="2200" dirty="0">
+                <a:latin typeface="Times New Roman" panose="02020603050405020304" pitchFamily="18" charset="0"/>
+                <a:cs typeface="Times New Roman" panose="02020603050405020304" pitchFamily="18" charset="0"/>
+              </a:rPr>
+              <a:t>μ</a:t>
+            </a:r>
+            <a:r>
+              <a:rPr lang="tr-TR" sz="2200" dirty="0">
+                <a:latin typeface="Times New Roman" panose="02020603050405020304" pitchFamily="18" charset="0"/>
+                <a:cs typeface="Times New Roman" panose="02020603050405020304" pitchFamily="18" charset="0"/>
+              </a:rPr>
+              <a:t>R1(x1,y1),</a:t>
+            </a:r>
+            <a:r>
+              <a:rPr lang="el-GR" sz="2200" dirty="0">
+                <a:latin typeface="Times New Roman" panose="02020603050405020304" pitchFamily="18" charset="0"/>
+                <a:cs typeface="Times New Roman" panose="02020603050405020304" pitchFamily="18" charset="0"/>
+              </a:rPr>
+              <a:t>μ</a:t>
+            </a:r>
+            <a:r>
+              <a:rPr lang="tr-TR" sz="2200" dirty="0">
+                <a:latin typeface="Times New Roman" panose="02020603050405020304" pitchFamily="18" charset="0"/>
+                <a:cs typeface="Times New Roman" panose="02020603050405020304" pitchFamily="18" charset="0"/>
+              </a:rPr>
+              <a:t>R2(y1,z2)), </a:t>
+            </a:r>
+          </a:p>
+          <a:p>
+            <a:pPr marL="914400" lvl="2" indent="0" algn="just">
+              <a:lnSpc>
+                <a:spcPts val="2800"/>
+              </a:lnSpc>
+              <a:buNone/>
+            </a:pPr>
+            <a:r>
+              <a:rPr lang="tr-TR" sz="2200" dirty="0">
+                <a:latin typeface="Times New Roman" panose="02020603050405020304" pitchFamily="18" charset="0"/>
+                <a:cs typeface="Times New Roman" panose="02020603050405020304" pitchFamily="18" charset="0"/>
+              </a:rPr>
+              <a:t>   		</a:t>
+            </a:r>
+            <a:r>
+              <a:rPr lang="tr-TR" sz="2200" dirty="0" err="1">
+                <a:latin typeface="Times New Roman" panose="02020603050405020304" pitchFamily="18" charset="0"/>
+                <a:cs typeface="Times New Roman" panose="02020603050405020304" pitchFamily="18" charset="0"/>
+              </a:rPr>
+              <a:t>min</a:t>
+            </a:r>
+            <a:r>
+              <a:rPr lang="tr-TR" sz="2200" dirty="0">
+                <a:latin typeface="Times New Roman" panose="02020603050405020304" pitchFamily="18" charset="0"/>
+                <a:cs typeface="Times New Roman" panose="02020603050405020304" pitchFamily="18" charset="0"/>
+              </a:rPr>
+              <a:t>(</a:t>
+            </a:r>
+            <a:r>
+              <a:rPr lang="el-GR" sz="2200" dirty="0">
+                <a:latin typeface="Times New Roman" panose="02020603050405020304" pitchFamily="18" charset="0"/>
+                <a:cs typeface="Times New Roman" panose="02020603050405020304" pitchFamily="18" charset="0"/>
+              </a:rPr>
+              <a:t>μ</a:t>
+            </a:r>
+            <a:r>
+              <a:rPr lang="tr-TR" sz="2200" dirty="0">
+                <a:latin typeface="Times New Roman" panose="02020603050405020304" pitchFamily="18" charset="0"/>
+                <a:cs typeface="Times New Roman" panose="02020603050405020304" pitchFamily="18" charset="0"/>
+              </a:rPr>
+              <a:t>R1(x1,y2),</a:t>
+            </a:r>
+            <a:r>
+              <a:rPr lang="el-GR" sz="2200" dirty="0">
+                <a:latin typeface="Times New Roman" panose="02020603050405020304" pitchFamily="18" charset="0"/>
+                <a:cs typeface="Times New Roman" panose="02020603050405020304" pitchFamily="18" charset="0"/>
+              </a:rPr>
+              <a:t>μ</a:t>
+            </a:r>
+            <a:r>
+              <a:rPr lang="tr-TR" sz="2200" dirty="0">
+                <a:latin typeface="Times New Roman" panose="02020603050405020304" pitchFamily="18" charset="0"/>
+                <a:cs typeface="Times New Roman" panose="02020603050405020304" pitchFamily="18" charset="0"/>
+              </a:rPr>
+              <a:t>R2(y2,z2)),</a:t>
+            </a:r>
+          </a:p>
+          <a:p>
+            <a:pPr marL="914400" lvl="2" indent="0" algn="just">
+              <a:lnSpc>
+                <a:spcPts val="2800"/>
+              </a:lnSpc>
+              <a:buNone/>
+            </a:pPr>
+            <a:r>
+              <a:rPr lang="tr-TR" sz="2200" dirty="0">
+                <a:latin typeface="Times New Roman" panose="02020603050405020304" pitchFamily="18" charset="0"/>
+                <a:cs typeface="Times New Roman" panose="02020603050405020304" pitchFamily="18" charset="0"/>
+              </a:rPr>
+              <a:t>   		</a:t>
+            </a:r>
+            <a:r>
+              <a:rPr lang="tr-TR" sz="2200" dirty="0" err="1">
+                <a:latin typeface="Times New Roman" panose="02020603050405020304" pitchFamily="18" charset="0"/>
+                <a:cs typeface="Times New Roman" panose="02020603050405020304" pitchFamily="18" charset="0"/>
+              </a:rPr>
+              <a:t>min</a:t>
+            </a:r>
+            <a:r>
+              <a:rPr lang="tr-TR" sz="2200" dirty="0">
+                <a:latin typeface="Times New Roman" panose="02020603050405020304" pitchFamily="18" charset="0"/>
+                <a:cs typeface="Times New Roman" panose="02020603050405020304" pitchFamily="18" charset="0"/>
+              </a:rPr>
+              <a:t>(</a:t>
+            </a:r>
+            <a:r>
+              <a:rPr lang="el-GR" sz="2200" dirty="0">
+                <a:latin typeface="Times New Roman" panose="02020603050405020304" pitchFamily="18" charset="0"/>
+                <a:cs typeface="Times New Roman" panose="02020603050405020304" pitchFamily="18" charset="0"/>
+              </a:rPr>
+              <a:t>μ</a:t>
+            </a:r>
+            <a:r>
+              <a:rPr lang="tr-TR" sz="2200" dirty="0">
+                <a:latin typeface="Times New Roman" panose="02020603050405020304" pitchFamily="18" charset="0"/>
+                <a:cs typeface="Times New Roman" panose="02020603050405020304" pitchFamily="18" charset="0"/>
+              </a:rPr>
+              <a:t>R1(x1,y3),</a:t>
+            </a:r>
+            <a:r>
+              <a:rPr lang="el-GR" sz="2200" dirty="0">
+                <a:latin typeface="Times New Roman" panose="02020603050405020304" pitchFamily="18" charset="0"/>
+                <a:cs typeface="Times New Roman" panose="02020603050405020304" pitchFamily="18" charset="0"/>
+              </a:rPr>
+              <a:t>μ</a:t>
+            </a:r>
+            <a:r>
+              <a:rPr lang="tr-TR" sz="2200" dirty="0">
+                <a:latin typeface="Times New Roman" panose="02020603050405020304" pitchFamily="18" charset="0"/>
+                <a:cs typeface="Times New Roman" panose="02020603050405020304" pitchFamily="18" charset="0"/>
+              </a:rPr>
+              <a:t>R2(y3,z2)), </a:t>
+            </a:r>
+          </a:p>
+          <a:p>
+            <a:pPr marL="914400" lvl="2" indent="0" algn="just">
+              <a:lnSpc>
+                <a:spcPts val="2800"/>
+              </a:lnSpc>
+              <a:buNone/>
+            </a:pPr>
+            <a:r>
+              <a:rPr lang="tr-TR" sz="2200" dirty="0">
+                <a:latin typeface="Times New Roman" panose="02020603050405020304" pitchFamily="18" charset="0"/>
+                <a:cs typeface="Times New Roman" panose="02020603050405020304" pitchFamily="18" charset="0"/>
+              </a:rPr>
+              <a:t>   		</a:t>
+            </a:r>
+            <a:r>
+              <a:rPr lang="tr-TR" sz="2200" dirty="0" err="1">
+                <a:latin typeface="Times New Roman" panose="02020603050405020304" pitchFamily="18" charset="0"/>
+                <a:cs typeface="Times New Roman" panose="02020603050405020304" pitchFamily="18" charset="0"/>
+              </a:rPr>
+              <a:t>min</a:t>
+            </a:r>
+            <a:r>
+              <a:rPr lang="tr-TR" sz="2200" dirty="0">
+                <a:latin typeface="Times New Roman" panose="02020603050405020304" pitchFamily="18" charset="0"/>
+                <a:cs typeface="Times New Roman" panose="02020603050405020304" pitchFamily="18" charset="0"/>
+              </a:rPr>
+              <a:t>(</a:t>
+            </a:r>
+            <a:r>
+              <a:rPr lang="el-GR" sz="2200" dirty="0">
+                <a:latin typeface="Times New Roman" panose="02020603050405020304" pitchFamily="18" charset="0"/>
+                <a:cs typeface="Times New Roman" panose="02020603050405020304" pitchFamily="18" charset="0"/>
+              </a:rPr>
+              <a:t>μ</a:t>
+            </a:r>
+            <a:r>
+              <a:rPr lang="tr-TR" sz="2200" dirty="0">
+                <a:latin typeface="Times New Roman" panose="02020603050405020304" pitchFamily="18" charset="0"/>
+                <a:cs typeface="Times New Roman" panose="02020603050405020304" pitchFamily="18" charset="0"/>
+              </a:rPr>
+              <a:t>R1(x1,y4),</a:t>
+            </a:r>
+            <a:r>
+              <a:rPr lang="el-GR" sz="2200" dirty="0">
+                <a:latin typeface="Times New Roman" panose="02020603050405020304" pitchFamily="18" charset="0"/>
+                <a:cs typeface="Times New Roman" panose="02020603050405020304" pitchFamily="18" charset="0"/>
+              </a:rPr>
+              <a:t>μ</a:t>
+            </a:r>
+            <a:r>
+              <a:rPr lang="tr-TR" sz="2200" dirty="0">
+                <a:latin typeface="Times New Roman" panose="02020603050405020304" pitchFamily="18" charset="0"/>
+                <a:cs typeface="Times New Roman" panose="02020603050405020304" pitchFamily="18" charset="0"/>
+              </a:rPr>
+              <a:t>R2(y4,z2))]}</a:t>
+            </a:r>
+          </a:p>
+          <a:p>
+            <a:pPr marL="914400" lvl="2" indent="0" algn="just">
+              <a:lnSpc>
+                <a:spcPts val="2800"/>
+              </a:lnSpc>
+              <a:buNone/>
+            </a:pPr>
+            <a:r>
+              <a:rPr lang="tr-TR" sz="2200" dirty="0">
+                <a:latin typeface="Times New Roman" panose="02020603050405020304" pitchFamily="18" charset="0"/>
+                <a:cs typeface="Times New Roman" panose="02020603050405020304" pitchFamily="18" charset="0"/>
+              </a:rPr>
+              <a:t>= {(x1,z2), </a:t>
+            </a:r>
+            <a:r>
+              <a:rPr lang="tr-TR" sz="2200" dirty="0" err="1">
+                <a:latin typeface="Times New Roman" panose="02020603050405020304" pitchFamily="18" charset="0"/>
+                <a:cs typeface="Times New Roman" panose="02020603050405020304" pitchFamily="18" charset="0"/>
+              </a:rPr>
+              <a:t>max</a:t>
+            </a:r>
+            <a:r>
+              <a:rPr lang="tr-TR" sz="2200" dirty="0">
+                <a:latin typeface="Times New Roman" panose="02020603050405020304" pitchFamily="18" charset="0"/>
+                <a:cs typeface="Times New Roman" panose="02020603050405020304" pitchFamily="18" charset="0"/>
+              </a:rPr>
+              <a:t>[</a:t>
+            </a:r>
+            <a:r>
+              <a:rPr lang="tr-TR" sz="2200" dirty="0" err="1">
+                <a:latin typeface="Times New Roman" panose="02020603050405020304" pitchFamily="18" charset="0"/>
+                <a:cs typeface="Times New Roman" panose="02020603050405020304" pitchFamily="18" charset="0"/>
+              </a:rPr>
+              <a:t>min</a:t>
+            </a:r>
+            <a:r>
+              <a:rPr lang="tr-TR" sz="2200" dirty="0">
+                <a:latin typeface="Times New Roman" panose="02020603050405020304" pitchFamily="18" charset="0"/>
+                <a:cs typeface="Times New Roman" panose="02020603050405020304" pitchFamily="18" charset="0"/>
+              </a:rPr>
+              <a:t>(0,0), </a:t>
+            </a:r>
+            <a:r>
+              <a:rPr lang="tr-TR" sz="2200" dirty="0" err="1">
+                <a:latin typeface="Times New Roman" panose="02020603050405020304" pitchFamily="18" charset="0"/>
+                <a:cs typeface="Times New Roman" panose="02020603050405020304" pitchFamily="18" charset="0"/>
+              </a:rPr>
+              <a:t>min</a:t>
+            </a:r>
+            <a:r>
+              <a:rPr lang="tr-TR" sz="2200" dirty="0">
+                <a:latin typeface="Times New Roman" panose="02020603050405020304" pitchFamily="18" charset="0"/>
+                <a:cs typeface="Times New Roman" panose="02020603050405020304" pitchFamily="18" charset="0"/>
+              </a:rPr>
+              <a:t>(1,0), </a:t>
+            </a:r>
+            <a:r>
+              <a:rPr lang="tr-TR" sz="2200" dirty="0" err="1">
+                <a:latin typeface="Times New Roman" panose="02020603050405020304" pitchFamily="18" charset="0"/>
+                <a:cs typeface="Times New Roman" panose="02020603050405020304" pitchFamily="18" charset="0"/>
+              </a:rPr>
+              <a:t>min</a:t>
+            </a:r>
+            <a:r>
+              <a:rPr lang="tr-TR" sz="2200" dirty="0">
+                <a:latin typeface="Times New Roman" panose="02020603050405020304" pitchFamily="18" charset="0"/>
+                <a:cs typeface="Times New Roman" panose="02020603050405020304" pitchFamily="18" charset="0"/>
+              </a:rPr>
+              <a:t>(0,1), </a:t>
+            </a:r>
+            <a:r>
+              <a:rPr lang="tr-TR" sz="2200" dirty="0" err="1">
+                <a:latin typeface="Times New Roman" panose="02020603050405020304" pitchFamily="18" charset="0"/>
+                <a:cs typeface="Times New Roman" panose="02020603050405020304" pitchFamily="18" charset="0"/>
+              </a:rPr>
+              <a:t>min</a:t>
+            </a:r>
+            <a:r>
+              <a:rPr lang="tr-TR" sz="2200" dirty="0">
+                <a:latin typeface="Times New Roman" panose="02020603050405020304" pitchFamily="18" charset="0"/>
+                <a:cs typeface="Times New Roman" panose="02020603050405020304" pitchFamily="18" charset="0"/>
+              </a:rPr>
+              <a:t>(1,0)]}</a:t>
+            </a:r>
+          </a:p>
+          <a:p>
+            <a:pPr marL="914400" lvl="2" indent="0" algn="just">
+              <a:lnSpc>
+                <a:spcPts val="2800"/>
+              </a:lnSpc>
+              <a:buNone/>
+            </a:pPr>
+            <a:r>
+              <a:rPr lang="tr-TR" sz="2200" dirty="0">
+                <a:latin typeface="Times New Roman" panose="02020603050405020304" pitchFamily="18" charset="0"/>
+                <a:cs typeface="Times New Roman" panose="02020603050405020304" pitchFamily="18" charset="0"/>
+              </a:rPr>
+              <a:t>= {(x1,z2),</a:t>
+            </a:r>
+            <a:r>
+              <a:rPr lang="tr-TR" sz="2200" dirty="0" err="1">
+                <a:latin typeface="Times New Roman" panose="02020603050405020304" pitchFamily="18" charset="0"/>
+                <a:cs typeface="Times New Roman" panose="02020603050405020304" pitchFamily="18" charset="0"/>
+              </a:rPr>
+              <a:t>max</a:t>
+            </a:r>
+            <a:r>
+              <a:rPr lang="tr-TR" sz="2200" dirty="0">
+                <a:latin typeface="Times New Roman" panose="02020603050405020304" pitchFamily="18" charset="0"/>
+                <a:cs typeface="Times New Roman" panose="02020603050405020304" pitchFamily="18" charset="0"/>
+              </a:rPr>
+              <a:t>[0,0,0,0] = 0}</a:t>
+            </a:r>
+          </a:p>
+          <a:p>
+            <a:pPr algn="just">
+              <a:lnSpc>
+                <a:spcPts val="2800"/>
+              </a:lnSpc>
+            </a:pPr>
+            <a:endParaRPr lang="tr-TR" sz="2200" dirty="0">
+              <a:latin typeface="Times New Roman" panose="02020603050405020304" pitchFamily="18" charset="0"/>
+              <a:cs typeface="Times New Roman" panose="02020603050405020304" pitchFamily="18" charset="0"/>
+            </a:endParaRPr>
+          </a:p>
+        </p:txBody>
+      </p:sp>
+    </p:spTree>
+    <p:extLst>
+      <p:ext uri="{BB962C8B-B14F-4D97-AF65-F5344CB8AC3E}">
+        <p14:creationId xmlns:p14="http://schemas.microsoft.com/office/powerpoint/2010/main" val="3365603224"/>
+      </p:ext>
+    </p:extLst>
+  </p:cSld>
+  <p:clrMapOvr>
+    <a:masterClrMapping/>
+  </p:clrMapOvr>
+</p:sld>
+</file>
+
 <file path=ppt/slides/slide24.xml><?xml version="1.0" encoding="utf-8"?>
 <p:sld xmlns:a="http://schemas.openxmlformats.org/drawingml/2006/main" xmlns:r="http://schemas.openxmlformats.org/officeDocument/2006/relationships" xmlns:p="http://schemas.openxmlformats.org/presentationml/2006/main">
   <p:cSld>
@@ -19853,173 +20192,33 @@
                 <a:latin typeface="Times New Roman" panose="02020603050405020304" pitchFamily="18" charset="0"/>
                 <a:cs typeface="Times New Roman" panose="02020603050405020304" pitchFamily="18" charset="0"/>
               </a:rPr>
-              <a:t>Örnek:</a:t>
-            </a:r>
-          </a:p>
-          <a:p>
-            <a:pPr algn="just">
-              <a:lnSpc>
-                <a:spcPts val="2800"/>
-              </a:lnSpc>
-            </a:pPr>
-            <a:r>
-              <a:rPr lang="tr-TR" sz="2200" dirty="0">
-                <a:latin typeface="Times New Roman" panose="02020603050405020304" pitchFamily="18" charset="0"/>
-                <a:cs typeface="Times New Roman" panose="02020603050405020304" pitchFamily="18" charset="0"/>
-              </a:rPr>
-              <a:t>Aslında, </a:t>
-            </a:r>
-            <a:r>
-              <a:rPr lang="tr-TR" sz="2200" dirty="0" err="1">
-                <a:latin typeface="Times New Roman" panose="02020603050405020304" pitchFamily="18" charset="0"/>
-                <a:cs typeface="Times New Roman" panose="02020603050405020304" pitchFamily="18" charset="0"/>
-              </a:rPr>
-              <a:t>max-min</a:t>
-            </a:r>
-            <a:r>
-              <a:rPr lang="tr-TR" sz="2200" dirty="0">
-                <a:latin typeface="Times New Roman" panose="02020603050405020304" pitchFamily="18" charset="0"/>
-                <a:cs typeface="Times New Roman" panose="02020603050405020304" pitchFamily="18" charset="0"/>
-              </a:rPr>
-              <a:t> veya </a:t>
-            </a:r>
-            <a:r>
-              <a:rPr lang="tr-TR" sz="2200" dirty="0" err="1">
-                <a:latin typeface="Times New Roman" panose="02020603050405020304" pitchFamily="18" charset="0"/>
-                <a:cs typeface="Times New Roman" panose="02020603050405020304" pitchFamily="18" charset="0"/>
-              </a:rPr>
-              <a:t>max-product</a:t>
-            </a:r>
-            <a:r>
-              <a:rPr lang="tr-TR" sz="2200" dirty="0">
-                <a:latin typeface="Times New Roman" panose="02020603050405020304" pitchFamily="18" charset="0"/>
-                <a:cs typeface="Times New Roman" panose="02020603050405020304" pitchFamily="18" charset="0"/>
-              </a:rPr>
-              <a:t> bileşim işlemleri yapılarak doğru ilişkisel matris R(U,W) elde edilmektedir.</a:t>
-            </a:r>
-          </a:p>
-          <a:p>
-            <a:pPr algn="just">
-              <a:lnSpc>
-                <a:spcPts val="2800"/>
-              </a:lnSpc>
-            </a:pPr>
-            <a:r>
-              <a:rPr lang="tr-TR" sz="2200" dirty="0">
-                <a:latin typeface="Times New Roman" panose="02020603050405020304" pitchFamily="18" charset="0"/>
-                <a:cs typeface="Times New Roman" panose="02020603050405020304" pitchFamily="18" charset="0"/>
-              </a:rPr>
-              <a:t>İlişkisel matriste R3(U,W)’ </a:t>
-            </a:r>
-            <a:r>
-              <a:rPr lang="tr-TR" sz="2200" dirty="0" err="1">
-                <a:latin typeface="Times New Roman" panose="02020603050405020304" pitchFamily="18" charset="0"/>
-                <a:cs typeface="Times New Roman" panose="02020603050405020304" pitchFamily="18" charset="0"/>
-              </a:rPr>
-              <a:t>nin</a:t>
-            </a:r>
-            <a:r>
-              <a:rPr lang="tr-TR" sz="2200" dirty="0">
-                <a:latin typeface="Times New Roman" panose="02020603050405020304" pitchFamily="18" charset="0"/>
-                <a:cs typeface="Times New Roman" panose="02020603050405020304" pitchFamily="18" charset="0"/>
-              </a:rPr>
-              <a:t> (1-2) elemanı için önerilen formülleri doğrularsak. </a:t>
-            </a:r>
-            <a:r>
-              <a:rPr lang="tr-TR" sz="2200" dirty="0" err="1">
-                <a:latin typeface="Times New Roman" panose="02020603050405020304" pitchFamily="18" charset="0"/>
-                <a:cs typeface="Times New Roman" panose="02020603050405020304" pitchFamily="18" charset="0"/>
-              </a:rPr>
-              <a:t>Max-min</a:t>
-            </a:r>
-            <a:r>
-              <a:rPr lang="tr-TR" sz="2200" dirty="0">
-                <a:latin typeface="Times New Roman" panose="02020603050405020304" pitchFamily="18" charset="0"/>
-                <a:cs typeface="Times New Roman" panose="02020603050405020304" pitchFamily="18" charset="0"/>
-              </a:rPr>
-              <a:t> kullanıldığında;</a:t>
-            </a:r>
-          </a:p>
-          <a:p>
-            <a:pPr marL="914400" lvl="2" indent="0" algn="just">
+              <a:t>Kestirme yollar:</a:t>
+            </a:r>
+          </a:p>
+          <a:p>
+            <a:pPr marL="0" indent="0" algn="just">
               <a:lnSpc>
                 <a:spcPts val="2800"/>
               </a:lnSpc>
               <a:buNone/>
             </a:pPr>
             <a:r>
-              <a:rPr lang="el-GR" sz="2200" dirty="0">
-                <a:latin typeface="Times New Roman" panose="02020603050405020304" pitchFamily="18" charset="0"/>
-                <a:cs typeface="Times New Roman" panose="02020603050405020304" pitchFamily="18" charset="0"/>
-              </a:rPr>
-              <a:t>μ</a:t>
-            </a:r>
-            <a:r>
-              <a:rPr lang="tr-TR" sz="2200" dirty="0">
-                <a:latin typeface="Times New Roman" panose="02020603050405020304" pitchFamily="18" charset="0"/>
-                <a:cs typeface="Times New Roman" panose="02020603050405020304" pitchFamily="18" charset="0"/>
-              </a:rPr>
-              <a:t>R3(x1,z2) = {(x1,z2), </a:t>
-            </a:r>
-            <a:r>
-              <a:rPr lang="tr-TR" sz="2200" dirty="0" err="1">
-                <a:latin typeface="Times New Roman" panose="02020603050405020304" pitchFamily="18" charset="0"/>
-                <a:cs typeface="Times New Roman" panose="02020603050405020304" pitchFamily="18" charset="0"/>
-              </a:rPr>
-              <a:t>maxy</a:t>
-            </a:r>
-            <a:r>
-              <a:rPr lang="tr-TR" sz="2200" dirty="0">
-                <a:latin typeface="Times New Roman" panose="02020603050405020304" pitchFamily="18" charset="0"/>
-                <a:cs typeface="Times New Roman" panose="02020603050405020304" pitchFamily="18" charset="0"/>
-              </a:rPr>
-              <a:t>[</a:t>
-            </a:r>
-            <a:r>
-              <a:rPr lang="tr-TR" sz="2200" dirty="0" err="1">
-                <a:latin typeface="Times New Roman" panose="02020603050405020304" pitchFamily="18" charset="0"/>
-                <a:cs typeface="Times New Roman" panose="02020603050405020304" pitchFamily="18" charset="0"/>
-              </a:rPr>
-              <a:t>min</a:t>
-            </a:r>
-            <a:r>
-              <a:rPr lang="tr-TR" sz="2200" dirty="0">
-                <a:latin typeface="Times New Roman" panose="02020603050405020304" pitchFamily="18" charset="0"/>
-                <a:cs typeface="Times New Roman" panose="02020603050405020304" pitchFamily="18" charset="0"/>
-              </a:rPr>
-              <a:t>(</a:t>
-            </a:r>
-            <a:r>
-              <a:rPr lang="el-GR" sz="2200" dirty="0">
-                <a:latin typeface="Times New Roman" panose="02020603050405020304" pitchFamily="18" charset="0"/>
-                <a:cs typeface="Times New Roman" panose="02020603050405020304" pitchFamily="18" charset="0"/>
-              </a:rPr>
-              <a:t>μ</a:t>
-            </a:r>
-            <a:r>
-              <a:rPr lang="tr-TR" sz="2200" dirty="0">
-                <a:latin typeface="Times New Roman" panose="02020603050405020304" pitchFamily="18" charset="0"/>
-                <a:cs typeface="Times New Roman" panose="02020603050405020304" pitchFamily="18" charset="0"/>
-              </a:rPr>
-              <a:t>R1(x1,y),</a:t>
-            </a:r>
-            <a:r>
-              <a:rPr lang="el-GR" sz="2200" dirty="0">
-                <a:latin typeface="Times New Roman" panose="02020603050405020304" pitchFamily="18" charset="0"/>
-                <a:cs typeface="Times New Roman" panose="02020603050405020304" pitchFamily="18" charset="0"/>
-              </a:rPr>
-              <a:t>μ</a:t>
-            </a:r>
-            <a:r>
-              <a:rPr lang="tr-TR" sz="2200" dirty="0">
-                <a:latin typeface="Times New Roman" panose="02020603050405020304" pitchFamily="18" charset="0"/>
-                <a:cs typeface="Times New Roman" panose="02020603050405020304" pitchFamily="18" charset="0"/>
-              </a:rPr>
-              <a:t>R2(y,z2))]}</a:t>
-            </a:r>
-          </a:p>
-          <a:p>
-            <a:pPr marL="914400" lvl="2" indent="0" algn="just">
+              <a:rPr lang="tr-TR" sz="2200" b="1" dirty="0" err="1">
+                <a:latin typeface="Times New Roman" panose="02020603050405020304" pitchFamily="18" charset="0"/>
+                <a:cs typeface="Times New Roman" panose="02020603050405020304" pitchFamily="18" charset="0"/>
+              </a:rPr>
+              <a:t>Max-MinBileşimi</a:t>
+            </a:r>
+            <a:r>
+              <a:rPr lang="tr-TR" sz="2200" b="1" dirty="0">
+                <a:latin typeface="Times New Roman" panose="02020603050405020304" pitchFamily="18" charset="0"/>
+                <a:cs typeface="Times New Roman" panose="02020603050405020304" pitchFamily="18" charset="0"/>
+              </a:rPr>
+              <a:t>:</a:t>
+            </a:r>
+          </a:p>
+          <a:p>
+            <a:pPr marL="457200" lvl="1" indent="0" algn="just">
               <a:lnSpc>
                 <a:spcPts val="2800"/>
               </a:lnSpc>
@@ -20030,67 +20229,25 @@
                 <a:latin typeface="Times New Roman" panose="02020603050405020304" pitchFamily="18" charset="0"/>
                 <a:cs typeface="Times New Roman" panose="02020603050405020304" pitchFamily="18" charset="0"/>
               </a:rPr>
-              <a:t>= {(x1,z2), </a:t>
+              <a:t>• Matris çarpımı Q(U,V) ve P(V,W)’</a:t>
             </a:r>
             <a:r>
               <a:rPr lang="tr-TR" sz="2200" dirty="0" err="1">
                 <a:latin typeface="Times New Roman" panose="02020603050405020304" pitchFamily="18" charset="0"/>
                 <a:cs typeface="Times New Roman" panose="02020603050405020304" pitchFamily="18" charset="0"/>
               </a:rPr>
-              <a:t>max</a:t>
+              <a:t>daki</a:t>
             </a:r>
             <a:r>
               <a:rPr lang="tr-TR" sz="2200" dirty="0">
                 <a:latin typeface="Times New Roman" panose="02020603050405020304" pitchFamily="18" charset="0"/>
                 <a:cs typeface="Times New Roman" panose="02020603050405020304" pitchFamily="18" charset="0"/>
               </a:rPr>
-              <a:t>[</a:t>
-            </a:r>
-            <a:r>
-              <a:rPr lang="tr-TR" sz="2200" dirty="0" err="1">
-                <a:latin typeface="Times New Roman" panose="02020603050405020304" pitchFamily="18" charset="0"/>
-                <a:cs typeface="Times New Roman" panose="02020603050405020304" pitchFamily="18" charset="0"/>
-              </a:rPr>
-              <a:t>min</a:t>
-            </a:r>
-            <a:r>
-              <a:rPr lang="tr-TR" sz="2200" dirty="0">
-                <a:latin typeface="Times New Roman" panose="02020603050405020304" pitchFamily="18" charset="0"/>
-                <a:cs typeface="Times New Roman" panose="02020603050405020304" pitchFamily="18" charset="0"/>
-              </a:rPr>
-              <a:t>(</a:t>
-            </a:r>
-            <a:r>
-              <a:rPr lang="el-GR" sz="2200" dirty="0">
-                <a:latin typeface="Times New Roman" panose="02020603050405020304" pitchFamily="18" charset="0"/>
-                <a:cs typeface="Times New Roman" panose="02020603050405020304" pitchFamily="18" charset="0"/>
-              </a:rPr>
-              <a:t>μ</a:t>
-            </a:r>
-            <a:r>
-              <a:rPr lang="tr-TR" sz="2200" dirty="0">
-                <a:latin typeface="Times New Roman" panose="02020603050405020304" pitchFamily="18" charset="0"/>
-                <a:cs typeface="Times New Roman" panose="02020603050405020304" pitchFamily="18" charset="0"/>
-              </a:rPr>
-              <a:t>R1(x1,y1),</a:t>
-            </a:r>
-            <a:r>
-              <a:rPr lang="el-GR" sz="2200" dirty="0">
-                <a:latin typeface="Times New Roman" panose="02020603050405020304" pitchFamily="18" charset="0"/>
-                <a:cs typeface="Times New Roman" panose="02020603050405020304" pitchFamily="18" charset="0"/>
-              </a:rPr>
-              <a:t>μ</a:t>
-            </a:r>
-            <a:r>
-              <a:rPr lang="tr-TR" sz="2200" dirty="0">
-                <a:latin typeface="Times New Roman" panose="02020603050405020304" pitchFamily="18" charset="0"/>
-                <a:cs typeface="Times New Roman" panose="02020603050405020304" pitchFamily="18" charset="0"/>
-              </a:rPr>
-              <a:t>R2(y1,z2)), </a:t>
-            </a:r>
-          </a:p>
-          <a:p>
-            <a:pPr marL="914400" lvl="2" indent="0" algn="just">
+              <a:t> her bir eleman yazılır,</a:t>
+            </a:r>
+          </a:p>
+          <a:p>
+            <a:pPr marL="457200" lvl="1" indent="0" algn="just">
               <a:lnSpc>
                 <a:spcPts val="2800"/>
               </a:lnSpc>
@@ -20101,7 +20258,7 @@
                 <a:latin typeface="Times New Roman" panose="02020603050405020304" pitchFamily="18" charset="0"/>
                 <a:cs typeface="Times New Roman" panose="02020603050405020304" pitchFamily="18" charset="0"/>
               </a:rPr>
-              <a:t>   		</a:t>
+              <a:t>• Her bir çarpma </a:t>
             </a:r>
             <a:r>
               <a:rPr lang="tr-TR" sz="2200" dirty="0" err="1">
@@ -20115,39 +20272,11 @@
                 <a:latin typeface="Times New Roman" panose="02020603050405020304" pitchFamily="18" charset="0"/>
                 <a:cs typeface="Times New Roman" panose="02020603050405020304" pitchFamily="18" charset="0"/>
               </a:rPr>
-              <a:t>(</a:t>
-            </a:r>
-            <a:r>
-              <a:rPr lang="el-GR" sz="2200" dirty="0">
-                <a:latin typeface="Times New Roman" panose="02020603050405020304" pitchFamily="18" charset="0"/>
-                <a:cs typeface="Times New Roman" panose="02020603050405020304" pitchFamily="18" charset="0"/>
-              </a:rPr>
-              <a:t>μ</a:t>
-            </a:r>
-            <a:r>
-              <a:rPr lang="tr-TR" sz="2200" dirty="0">
-                <a:latin typeface="Times New Roman" panose="02020603050405020304" pitchFamily="18" charset="0"/>
-                <a:cs typeface="Times New Roman" panose="02020603050405020304" pitchFamily="18" charset="0"/>
-              </a:rPr>
-              <a:t>R1(x1,y2),</a:t>
-            </a:r>
-            <a:r>
-              <a:rPr lang="el-GR" sz="2200" dirty="0">
-                <a:latin typeface="Times New Roman" panose="02020603050405020304" pitchFamily="18" charset="0"/>
-                <a:cs typeface="Times New Roman" panose="02020603050405020304" pitchFamily="18" charset="0"/>
-              </a:rPr>
-              <a:t>μ</a:t>
-            </a:r>
-            <a:r>
-              <a:rPr lang="tr-TR" sz="2200" dirty="0">
-                <a:latin typeface="Times New Roman" panose="02020603050405020304" pitchFamily="18" charset="0"/>
-                <a:cs typeface="Times New Roman" panose="02020603050405020304" pitchFamily="18" charset="0"/>
-              </a:rPr>
-              <a:t>R2(y2,z2)),</a:t>
-            </a:r>
-          </a:p>
-          <a:p>
-            <a:pPr marL="914400" lvl="2" indent="0" algn="just">
+              <a:t> işlemi olarak ele alınır ve</a:t>
+            </a:r>
+          </a:p>
+          <a:p>
+            <a:pPr marL="457200" lvl="1" indent="0" algn="just">
               <a:lnSpc>
                 <a:spcPts val="2800"/>
               </a:lnSpc>
@@ -20158,110 +20287,47 @@
                 <a:latin typeface="Times New Roman" panose="02020603050405020304" pitchFamily="18" charset="0"/>
                 <a:cs typeface="Times New Roman" panose="02020603050405020304" pitchFamily="18" charset="0"/>
               </a:rPr>
-              <a:t>   		</a:t>
+              <a:t>• Her bir toplama </a:t>
             </a:r>
             <a:r>
               <a:rPr lang="tr-TR" sz="2200" dirty="0" err="1">
                 <a:latin typeface="Times New Roman" panose="02020603050405020304" pitchFamily="18" charset="0"/>
                 <a:cs typeface="Times New Roman" panose="02020603050405020304" pitchFamily="18" charset="0"/>
               </a:rPr>
-              <a:t>min</a:t>
+              <a:t>max</a:t>
             </a:r>
             <a:r>
               <a:rPr lang="tr-TR" sz="2200" dirty="0">
                 <a:latin typeface="Times New Roman" panose="02020603050405020304" pitchFamily="18" charset="0"/>
                 <a:cs typeface="Times New Roman" panose="02020603050405020304" pitchFamily="18" charset="0"/>
               </a:rPr>
-              <a:t>(</a:t>
-            </a:r>
-            <a:r>
-              <a:rPr lang="el-GR" sz="2200" dirty="0">
-                <a:latin typeface="Times New Roman" panose="02020603050405020304" pitchFamily="18" charset="0"/>
-                <a:cs typeface="Times New Roman" panose="02020603050405020304" pitchFamily="18" charset="0"/>
-              </a:rPr>
-              <a:t>μ</a:t>
-            </a:r>
-            <a:r>
-              <a:rPr lang="tr-TR" sz="2200" dirty="0">
-                <a:latin typeface="Times New Roman" panose="02020603050405020304" pitchFamily="18" charset="0"/>
-                <a:cs typeface="Times New Roman" panose="02020603050405020304" pitchFamily="18" charset="0"/>
-              </a:rPr>
-              <a:t>R1(x1,y3),</a:t>
-            </a:r>
-            <a:r>
-              <a:rPr lang="el-GR" sz="2200" dirty="0">
-                <a:latin typeface="Times New Roman" panose="02020603050405020304" pitchFamily="18" charset="0"/>
-                <a:cs typeface="Times New Roman" panose="02020603050405020304" pitchFamily="18" charset="0"/>
-              </a:rPr>
-              <a:t>μ</a:t>
-            </a:r>
-            <a:r>
-              <a:rPr lang="tr-TR" sz="2200" dirty="0">
-                <a:latin typeface="Times New Roman" panose="02020603050405020304" pitchFamily="18" charset="0"/>
-                <a:cs typeface="Times New Roman" panose="02020603050405020304" pitchFamily="18" charset="0"/>
-              </a:rPr>
-              <a:t>R2(y3,z2)), </a:t>
-            </a:r>
-          </a:p>
-          <a:p>
-            <a:pPr marL="914400" lvl="2" indent="0" algn="just">
+              <a:t> işlemi gibi ele alınır.</a:t>
+            </a:r>
+          </a:p>
+          <a:p>
+            <a:pPr marL="0" indent="0" algn="just">
               <a:lnSpc>
                 <a:spcPts val="2800"/>
               </a:lnSpc>
               <a:buNone/>
             </a:pPr>
             <a:r>
-              <a:rPr lang="tr-TR" sz="2200" dirty="0">
-                <a:latin typeface="Times New Roman" panose="02020603050405020304" pitchFamily="18" charset="0"/>
-                <a:cs typeface="Times New Roman" panose="02020603050405020304" pitchFamily="18" charset="0"/>
-              </a:rPr>
-              <a:t>   		</a:t>
-            </a:r>
-            <a:r>
-              <a:rPr lang="tr-TR" sz="2200" dirty="0" err="1">
-                <a:latin typeface="Times New Roman" panose="02020603050405020304" pitchFamily="18" charset="0"/>
-                <a:cs typeface="Times New Roman" panose="02020603050405020304" pitchFamily="18" charset="0"/>
-              </a:rPr>
-              <a:t>min</a:t>
-            </a:r>
-            <a:r>
-              <a:rPr lang="tr-TR" sz="2200" dirty="0">
-                <a:latin typeface="Times New Roman" panose="02020603050405020304" pitchFamily="18" charset="0"/>
-                <a:cs typeface="Times New Roman" panose="02020603050405020304" pitchFamily="18" charset="0"/>
-              </a:rPr>
-              <a:t>(</a:t>
-            </a:r>
-            <a:r>
-              <a:rPr lang="el-GR" sz="2200" dirty="0">
-                <a:latin typeface="Times New Roman" panose="02020603050405020304" pitchFamily="18" charset="0"/>
-                <a:cs typeface="Times New Roman" panose="02020603050405020304" pitchFamily="18" charset="0"/>
-              </a:rPr>
-              <a:t>μ</a:t>
-            </a:r>
-            <a:r>
-              <a:rPr lang="tr-TR" sz="2200" dirty="0">
-                <a:latin typeface="Times New Roman" panose="02020603050405020304" pitchFamily="18" charset="0"/>
-                <a:cs typeface="Times New Roman" panose="02020603050405020304" pitchFamily="18" charset="0"/>
-              </a:rPr>
-              <a:t>R1(x1,y4),</a:t>
-            </a:r>
-            <a:r>
-              <a:rPr lang="el-GR" sz="2200" dirty="0">
-                <a:latin typeface="Times New Roman" panose="02020603050405020304" pitchFamily="18" charset="0"/>
-                <a:cs typeface="Times New Roman" panose="02020603050405020304" pitchFamily="18" charset="0"/>
-              </a:rPr>
-              <a:t>μ</a:t>
-            </a:r>
-            <a:r>
-              <a:rPr lang="tr-TR" sz="2200" dirty="0">
-                <a:latin typeface="Times New Roman" panose="02020603050405020304" pitchFamily="18" charset="0"/>
-                <a:cs typeface="Times New Roman" panose="02020603050405020304" pitchFamily="18" charset="0"/>
-              </a:rPr>
-              <a:t>R2(y4,z2))]}</a:t>
-            </a:r>
-          </a:p>
-          <a:p>
-            <a:pPr marL="914400" lvl="2" indent="0" algn="just">
+              <a:rPr lang="tr-TR" sz="2200" b="1" dirty="0" err="1">
+                <a:latin typeface="Times New Roman" panose="02020603050405020304" pitchFamily="18" charset="0"/>
+                <a:cs typeface="Times New Roman" panose="02020603050405020304" pitchFamily="18" charset="0"/>
+              </a:rPr>
+              <a:t>Max</a:t>
+            </a:r>
+            <a:r>
+              <a:rPr lang="tr-TR" sz="2200" b="1" dirty="0">
+                <a:latin typeface="Times New Roman" panose="02020603050405020304" pitchFamily="18" charset="0"/>
+                <a:cs typeface="Times New Roman" panose="02020603050405020304" pitchFamily="18" charset="0"/>
+              </a:rPr>
+              <a:t>-Çarpım Bileşimi:</a:t>
+            </a:r>
+          </a:p>
+          <a:p>
+            <a:pPr marL="457200" lvl="1" indent="0" algn="just">
               <a:lnSpc>
                 <a:spcPts val="2800"/>
               </a:lnSpc>
@@ -20272,81 +20338,25 @@
                 <a:latin typeface="Times New Roman" panose="02020603050405020304" pitchFamily="18" charset="0"/>
                 <a:cs typeface="Times New Roman" panose="02020603050405020304" pitchFamily="18" charset="0"/>
               </a:rPr>
-              <a:t>= {(x1,z2), </a:t>
+              <a:t>• Matris çarpımı Q(U,V) ve P(V,W)’</a:t>
             </a:r>
             <a:r>
               <a:rPr lang="tr-TR" sz="2200" dirty="0" err="1">
                 <a:latin typeface="Times New Roman" panose="02020603050405020304" pitchFamily="18" charset="0"/>
                 <a:cs typeface="Times New Roman" panose="02020603050405020304" pitchFamily="18" charset="0"/>
               </a:rPr>
-              <a:t>max</a:t>
+              <a:t>daki</a:t>
             </a:r>
             <a:r>
               <a:rPr lang="tr-TR" sz="2200" dirty="0">
                 <a:latin typeface="Times New Roman" panose="02020603050405020304" pitchFamily="18" charset="0"/>
                 <a:cs typeface="Times New Roman" panose="02020603050405020304" pitchFamily="18" charset="0"/>
               </a:rPr>
-              <a:t>[</a:t>
-            </a:r>
-            <a:r>
-              <a:rPr lang="tr-TR" sz="2200" dirty="0" err="1">
-                <a:latin typeface="Times New Roman" panose="02020603050405020304" pitchFamily="18" charset="0"/>
-                <a:cs typeface="Times New Roman" panose="02020603050405020304" pitchFamily="18" charset="0"/>
-              </a:rPr>
-              <a:t>min</a:t>
-            </a:r>
-            <a:r>
-              <a:rPr lang="tr-TR" sz="2200" dirty="0">
-                <a:latin typeface="Times New Roman" panose="02020603050405020304" pitchFamily="18" charset="0"/>
-                <a:cs typeface="Times New Roman" panose="02020603050405020304" pitchFamily="18" charset="0"/>
-              </a:rPr>
-              <a:t>(0,0), </a:t>
-            </a:r>
-            <a:r>
-              <a:rPr lang="tr-TR" sz="2200" dirty="0" err="1">
-                <a:latin typeface="Times New Roman" panose="02020603050405020304" pitchFamily="18" charset="0"/>
-                <a:cs typeface="Times New Roman" panose="02020603050405020304" pitchFamily="18" charset="0"/>
-              </a:rPr>
-              <a:t>min</a:t>
-            </a:r>
-            <a:r>
-              <a:rPr lang="tr-TR" sz="2200" dirty="0">
-                <a:latin typeface="Times New Roman" panose="02020603050405020304" pitchFamily="18" charset="0"/>
-                <a:cs typeface="Times New Roman" panose="02020603050405020304" pitchFamily="18" charset="0"/>
-              </a:rPr>
-              <a:t>(1,0), </a:t>
-            </a:r>
-            <a:r>
-              <a:rPr lang="tr-TR" sz="2200" dirty="0" err="1">
-                <a:latin typeface="Times New Roman" panose="02020603050405020304" pitchFamily="18" charset="0"/>
-                <a:cs typeface="Times New Roman" panose="02020603050405020304" pitchFamily="18" charset="0"/>
-              </a:rPr>
-              <a:t>min</a:t>
-            </a:r>
-            <a:r>
-              <a:rPr lang="tr-TR" sz="2200" dirty="0">
-                <a:latin typeface="Times New Roman" panose="02020603050405020304" pitchFamily="18" charset="0"/>
-                <a:cs typeface="Times New Roman" panose="02020603050405020304" pitchFamily="18" charset="0"/>
-              </a:rPr>
-              <a:t>(0,1), </a:t>
-            </a:r>
-            <a:r>
-              <a:rPr lang="tr-TR" sz="2200" dirty="0" err="1">
-                <a:latin typeface="Times New Roman" panose="02020603050405020304" pitchFamily="18" charset="0"/>
-                <a:cs typeface="Times New Roman" panose="02020603050405020304" pitchFamily="18" charset="0"/>
-              </a:rPr>
-              <a:t>min</a:t>
-            </a:r>
-            <a:r>
-              <a:rPr lang="tr-TR" sz="2200" dirty="0">
-                <a:latin typeface="Times New Roman" panose="02020603050405020304" pitchFamily="18" charset="0"/>
-                <a:cs typeface="Times New Roman" panose="02020603050405020304" pitchFamily="18" charset="0"/>
-              </a:rPr>
-              <a:t>(1,0)]}</a:t>
-            </a:r>
-          </a:p>
-          <a:p>
-            <a:pPr marL="914400" lvl="2" indent="0" algn="just">
+              <a:t> her bir eleman yazılır,</a:t>
+            </a:r>
+          </a:p>
+          <a:p>
+            <a:pPr marL="457200" lvl="1" indent="0" algn="just">
               <a:lnSpc>
                 <a:spcPts val="2800"/>
               </a:lnSpc>
@@ -20357,28 +20367,44 @@
                 <a:latin typeface="Times New Roman" panose="02020603050405020304" pitchFamily="18" charset="0"/>
                 <a:cs typeface="Times New Roman" panose="02020603050405020304" pitchFamily="18" charset="0"/>
               </a:rPr>
-              <a:t>= {(x1,z2),</a:t>
-            </a:r>
-            <a:r>
-              <a:rPr lang="tr-TR" sz="2200" dirty="0" err="1">
-                <a:latin typeface="Times New Roman" panose="02020603050405020304" pitchFamily="18" charset="0"/>
-                <a:cs typeface="Times New Roman" panose="02020603050405020304" pitchFamily="18" charset="0"/>
-              </a:rPr>
-              <a:t>max</a:t>
-            </a:r>
-            <a:r>
-              <a:rPr lang="tr-TR" sz="2200" dirty="0">
-                <a:latin typeface="Times New Roman" panose="02020603050405020304" pitchFamily="18" charset="0"/>
-                <a:cs typeface="Times New Roman" panose="02020603050405020304" pitchFamily="18" charset="0"/>
-              </a:rPr>
-              <a:t>[0,0,0,0] = 0}</a:t>
-            </a:r>
-          </a:p>
-          <a:p>
-            <a:pPr algn="just">
+              <a:t>• Her bir çarpma cebirsel çarpma işlemi olarak ele alınır ve</a:t>
+            </a:r>
+          </a:p>
+          <a:p>
+            <a:pPr marL="457200" lvl="1" indent="0" algn="just">
               <a:lnSpc>
                 <a:spcPts val="2800"/>
               </a:lnSpc>
+              <a:buNone/>
+            </a:pPr>
+            <a:r>
+              <a:rPr lang="tr-TR" sz="2200" dirty="0">
+                <a:latin typeface="Times New Roman" panose="02020603050405020304" pitchFamily="18" charset="0"/>
+                <a:cs typeface="Times New Roman" panose="02020603050405020304" pitchFamily="18" charset="0"/>
+              </a:rPr>
+              <a:t>• Her bir toplama </a:t>
+            </a:r>
+            <a:r>
+              <a:rPr lang="tr-TR" sz="2200" dirty="0" err="1">
+                <a:latin typeface="Times New Roman" panose="02020603050405020304" pitchFamily="18" charset="0"/>
+                <a:cs typeface="Times New Roman" panose="02020603050405020304" pitchFamily="18" charset="0"/>
+              </a:rPr>
+              <a:t>max</a:t>
+            </a:r>
+            <a:r>
+              <a:rPr lang="tr-TR" sz="2200" dirty="0">
+                <a:latin typeface="Times New Roman" panose="02020603050405020304" pitchFamily="18" charset="0"/>
+                <a:cs typeface="Times New Roman" panose="02020603050405020304" pitchFamily="18" charset="0"/>
+              </a:rPr>
+              <a:t> işlemi gibi ele alınır.</a:t>
+            </a:r>
+          </a:p>
+          <a:p>
+            <a:pPr marL="0" indent="0" algn="just">
+              <a:lnSpc>
+                <a:spcPts val="2800"/>
+              </a:lnSpc>
+              <a:buNone/>
             </a:pPr>
             <a:endParaRPr lang="tr-TR" sz="2200" dirty="0">
               <a:latin typeface="Times New Roman" panose="02020603050405020304" pitchFamily="18" charset="0"/>
@@ -20390,7 +20416,7 @@
     </p:spTree>
     <p:extLst>
       <p:ext uri="{BB962C8B-B14F-4D97-AF65-F5344CB8AC3E}">
-        <p14:creationId xmlns:p14="http://schemas.microsoft.com/office/powerpoint/2010/main" val="3365603224"/>
+        <p14:creationId xmlns:p14="http://schemas.microsoft.com/office/powerpoint/2010/main" val="188395007"/>
       </p:ext>
     </p:extLst>
   </p:cSld>
@@ -20560,6 +20586,20 @@
               <a:buNone/>
             </a:pPr>
             <a:r>
+              <a:rPr lang="tr-TR" sz="2200" dirty="0">
+                <a:latin typeface="Times New Roman" panose="02020603050405020304" pitchFamily="18" charset="0"/>
+                <a:cs typeface="Times New Roman" panose="02020603050405020304" pitchFamily="18" charset="0"/>
+              </a:rPr>
+              <a:t>Keskin Bileşimler örneğindeki R3(U,W)’nin1-3 elemanı için:</a:t>
+            </a:r>
+          </a:p>
+          <a:p>
+            <a:pPr algn="just">
+              <a:lnSpc>
+                <a:spcPts val="2800"/>
+              </a:lnSpc>
+            </a:pPr>
+            <a:r>
               <a:rPr lang="tr-TR" sz="2200" b="1" dirty="0" err="1">
                 <a:latin typeface="Times New Roman" panose="02020603050405020304" pitchFamily="18" charset="0"/>
                 <a:cs typeface="Times New Roman" panose="02020603050405020304" pitchFamily="18" charset="0"/>
@@ -20575,7 +20615,7 @@
             </a:r>
           </a:p>
           <a:p>
-            <a:pPr marL="457200" lvl="1" indent="0" algn="just">
+            <a:pPr marL="914400" lvl="2" indent="0" algn="just">
               <a:lnSpc>
                 <a:spcPts val="2800"/>
               </a:lnSpc>
@@ -20586,25 +20626,11 @@
                 <a:latin typeface="Times New Roman" panose="02020603050405020304" pitchFamily="18" charset="0"/>
                 <a:cs typeface="Times New Roman" panose="02020603050405020304" pitchFamily="18" charset="0"/>
               </a:rPr>
-              <a:t>• Matris çarpımı Q(U,V) ve P(V,W)’</a:t>
-            </a:r>
-            <a:r>
-              <a:rPr lang="tr-TR" sz="2200" dirty="0" err="1">
-                <a:latin typeface="Times New Roman" panose="02020603050405020304" pitchFamily="18" charset="0"/>
-                <a:cs typeface="Times New Roman" panose="02020603050405020304" pitchFamily="18" charset="0"/>
-              </a:rPr>
-              <a:t>daki</a:t>
-            </a:r>
-            <a:r>
-              <a:rPr lang="tr-TR" sz="2200" dirty="0">
-                <a:latin typeface="Times New Roman" panose="02020603050405020304" pitchFamily="18" charset="0"/>
-                <a:cs typeface="Times New Roman" panose="02020603050405020304" pitchFamily="18" charset="0"/>
-              </a:rPr>
-              <a:t> her bir eleman yazılır,</a:t>
-            </a:r>
-          </a:p>
-          <a:p>
-            <a:pPr marL="457200" lvl="1" indent="0" algn="just">
+              <a:t>R3(x1,z3) = 0×0 + 1×0 + 0×0 + 1×1</a:t>
+            </a:r>
+          </a:p>
+          <a:p>
+            <a:pPr marL="914400" lvl="2" indent="0" algn="just">
               <a:lnSpc>
                 <a:spcPts val="2800"/>
               </a:lnSpc>
@@ -20615,7 +20641,7 @@
                 <a:latin typeface="Times New Roman" panose="02020603050405020304" pitchFamily="18" charset="0"/>
                 <a:cs typeface="Times New Roman" panose="02020603050405020304" pitchFamily="18" charset="0"/>
               </a:rPr>
-              <a:t>• Her bir çarpma </a:t>
+              <a:t>= </a:t>
             </a:r>
             <a:r>
               <a:rPr lang="tr-TR" sz="2200" dirty="0" err="1">
@@ -20629,11 +20655,53 @@
                 <a:latin typeface="Times New Roman" panose="02020603050405020304" pitchFamily="18" charset="0"/>
                 <a:cs typeface="Times New Roman" panose="02020603050405020304" pitchFamily="18" charset="0"/>
               </a:rPr>
-              <a:t> işlemi olarak ele alınır ve</a:t>
-            </a:r>
-          </a:p>
-          <a:p>
-            <a:pPr marL="457200" lvl="1" indent="0" algn="just">
+              <a:t>(0,0) + </a:t>
+            </a:r>
+            <a:r>
+              <a:rPr lang="tr-TR" sz="2200" dirty="0" err="1">
+                <a:latin typeface="Times New Roman" panose="02020603050405020304" pitchFamily="18" charset="0"/>
+                <a:cs typeface="Times New Roman" panose="02020603050405020304" pitchFamily="18" charset="0"/>
+              </a:rPr>
+              <a:t>min</a:t>
+            </a:r>
+            <a:r>
+              <a:rPr lang="tr-TR" sz="2200" dirty="0">
+                <a:latin typeface="Times New Roman" panose="02020603050405020304" pitchFamily="18" charset="0"/>
+                <a:cs typeface="Times New Roman" panose="02020603050405020304" pitchFamily="18" charset="0"/>
+              </a:rPr>
+              <a:t>(1,0) + </a:t>
+            </a:r>
+            <a:r>
+              <a:rPr lang="tr-TR" sz="2200" dirty="0" err="1">
+                <a:latin typeface="Times New Roman" panose="02020603050405020304" pitchFamily="18" charset="0"/>
+                <a:cs typeface="Times New Roman" panose="02020603050405020304" pitchFamily="18" charset="0"/>
+              </a:rPr>
+              <a:t>min</a:t>
+            </a:r>
+            <a:r>
+              <a:rPr lang="tr-TR" sz="2200" dirty="0">
+                <a:latin typeface="Times New Roman" panose="02020603050405020304" pitchFamily="18" charset="0"/>
+                <a:cs typeface="Times New Roman" panose="02020603050405020304" pitchFamily="18" charset="0"/>
+              </a:rPr>
+              <a:t>(0,0) + </a:t>
+            </a:r>
+            <a:r>
+              <a:rPr lang="tr-TR" sz="2200" dirty="0" err="1">
+                <a:latin typeface="Times New Roman" panose="02020603050405020304" pitchFamily="18" charset="0"/>
+                <a:cs typeface="Times New Roman" panose="02020603050405020304" pitchFamily="18" charset="0"/>
+              </a:rPr>
+              <a:t>min</a:t>
+            </a:r>
+            <a:r>
+              <a:rPr lang="tr-TR" sz="2200" dirty="0">
+                <a:latin typeface="Times New Roman" panose="02020603050405020304" pitchFamily="18" charset="0"/>
+                <a:cs typeface="Times New Roman" panose="02020603050405020304" pitchFamily="18" charset="0"/>
+              </a:rPr>
+              <a:t>(1,1)</a:t>
+            </a:r>
+          </a:p>
+          <a:p>
+            <a:pPr marL="914400" lvl="2" indent="0" algn="just">
               <a:lnSpc>
                 <a:spcPts val="2800"/>
               </a:lnSpc>
@@ -20644,7 +20712,7 @@
                 <a:latin typeface="Times New Roman" panose="02020603050405020304" pitchFamily="18" charset="0"/>
                 <a:cs typeface="Times New Roman" panose="02020603050405020304" pitchFamily="18" charset="0"/>
               </a:rPr>
-              <a:t>• Her bir toplama </a:t>
+              <a:t>= </a:t>
             </a:r>
             <a:r>
               <a:rPr lang="tr-TR" sz="2200" dirty="0" err="1">
@@ -20658,33 +20726,47 @@
                 <a:latin typeface="Times New Roman" panose="02020603050405020304" pitchFamily="18" charset="0"/>
                 <a:cs typeface="Times New Roman" panose="02020603050405020304" pitchFamily="18" charset="0"/>
               </a:rPr>
-              <a:t> işlemi gibi ele alınır.</a:t>
-            </a:r>
-          </a:p>
-          <a:p>
-            <a:pPr marL="0" indent="0" algn="just">
+              <a:t>(0,0,0,1) = 1</a:t>
+            </a:r>
+          </a:p>
+          <a:p>
+            <a:pPr algn="just">
+              <a:lnSpc>
+                <a:spcPts val="2800"/>
+              </a:lnSpc>
+            </a:pPr>
+            <a:r>
+              <a:rPr lang="tr-TR" sz="2200" b="1" dirty="0" err="1">
+                <a:latin typeface="Times New Roman" panose="02020603050405020304" pitchFamily="18" charset="0"/>
+                <a:cs typeface="Times New Roman" panose="02020603050405020304" pitchFamily="18" charset="0"/>
+              </a:rPr>
+              <a:t>Max</a:t>
+            </a:r>
+            <a:r>
+              <a:rPr lang="tr-TR" sz="2200" b="1" dirty="0">
+                <a:latin typeface="Times New Roman" panose="02020603050405020304" pitchFamily="18" charset="0"/>
+                <a:cs typeface="Times New Roman" panose="02020603050405020304" pitchFamily="18" charset="0"/>
+              </a:rPr>
+              <a:t>-Çarpım Bileşimi:</a:t>
+            </a:r>
+          </a:p>
+          <a:p>
+            <a:pPr marL="914400" lvl="2" indent="0" algn="just">
               <a:lnSpc>
                 <a:spcPts val="2800"/>
               </a:lnSpc>
               <a:buNone/>
             </a:pPr>
             <a:r>
-              <a:rPr lang="tr-TR" sz="2200" b="1" dirty="0" err="1">
-                <a:latin typeface="Times New Roman" panose="02020603050405020304" pitchFamily="18" charset="0"/>
-                <a:cs typeface="Times New Roman" panose="02020603050405020304" pitchFamily="18" charset="0"/>
-              </a:rPr>
-              <a:t>Max</a:t>
-            </a:r>
-            <a:r>
-              <a:rPr lang="tr-TR" sz="2200" b="1" dirty="0">
-                <a:latin typeface="Times New Roman" panose="02020603050405020304" pitchFamily="18" charset="0"/>
-                <a:cs typeface="Times New Roman" panose="02020603050405020304" pitchFamily="18" charset="0"/>
-              </a:rPr>
-              <a:t>-Çarpım Bileşimi:</a:t>
-            </a:r>
-          </a:p>
-          <a:p>
-            <a:pPr marL="457200" lvl="1" indent="0" algn="just">
+              <a:rPr lang="tr-TR" sz="2200" dirty="0">
+                <a:latin typeface="Times New Roman" panose="02020603050405020304" pitchFamily="18" charset="0"/>
+                <a:cs typeface="Times New Roman" panose="02020603050405020304" pitchFamily="18" charset="0"/>
+              </a:rPr>
+              <a:t>R3(x1,z3) = 0×0 + 1×0 + 0×0 + 1×1</a:t>
+            </a:r>
+          </a:p>
+          <a:p>
+            <a:pPr marL="914400" lvl="2" indent="0" algn="just">
               <a:lnSpc>
                 <a:spcPts val="2800"/>
               </a:lnSpc>
@@ -20695,25 +20777,11 @@
                 <a:latin typeface="Times New Roman" panose="02020603050405020304" pitchFamily="18" charset="0"/>
                 <a:cs typeface="Times New Roman" panose="02020603050405020304" pitchFamily="18" charset="0"/>
               </a:rPr>
-              <a:t>• Matris çarpımı Q(U,V) ve P(V,W)’</a:t>
-            </a:r>
-            <a:r>
-              <a:rPr lang="tr-TR" sz="2200" dirty="0" err="1">
-                <a:latin typeface="Times New Roman" panose="02020603050405020304" pitchFamily="18" charset="0"/>
-                <a:cs typeface="Times New Roman" panose="02020603050405020304" pitchFamily="18" charset="0"/>
-              </a:rPr>
-              <a:t>daki</a:t>
-            </a:r>
-            <a:r>
-              <a:rPr lang="tr-TR" sz="2200" dirty="0">
-                <a:latin typeface="Times New Roman" panose="02020603050405020304" pitchFamily="18" charset="0"/>
-                <a:cs typeface="Times New Roman" panose="02020603050405020304" pitchFamily="18" charset="0"/>
-              </a:rPr>
-              <a:t> her bir eleman yazılır,</a:t>
-            </a:r>
-          </a:p>
-          <a:p>
-            <a:pPr marL="457200" lvl="1" indent="0" algn="just">
+              <a:t>= (0x0) + (1x0) + (0x0) + (1x1)</a:t>
+            </a:r>
+          </a:p>
+          <a:p>
+            <a:pPr marL="914400" lvl="2" indent="0" algn="just">
               <a:lnSpc>
                 <a:spcPts val="2800"/>
               </a:lnSpc>
@@ -20724,36 +20792,21 @@
                 <a:latin typeface="Times New Roman" panose="02020603050405020304" pitchFamily="18" charset="0"/>
                 <a:cs typeface="Times New Roman" panose="02020603050405020304" pitchFamily="18" charset="0"/>
               </a:rPr>
-              <a:t>• Her bir çarpma cebirsel çarpma işlemi olarak ele alınır ve</a:t>
-            </a:r>
-          </a:p>
-          <a:p>
-            <a:pPr marL="457200" lvl="1" indent="0" algn="just">
-              <a:lnSpc>
-                <a:spcPts val="2800"/>
-              </a:lnSpc>
-              <a:buNone/>
-            </a:pPr>
+              <a:t>= </a:t>
+            </a:r>
+            <a:r>
+              <a:rPr lang="tr-TR" sz="2200" dirty="0" err="1">
+                <a:latin typeface="Times New Roman" panose="02020603050405020304" pitchFamily="18" charset="0"/>
+                <a:cs typeface="Times New Roman" panose="02020603050405020304" pitchFamily="18" charset="0"/>
+              </a:rPr>
+              <a:t>max</a:t>
+            </a:r>
             <a:r>
               <a:rPr lang="tr-TR" sz="2200" dirty="0">
                 <a:latin typeface="Times New Roman" panose="02020603050405020304" pitchFamily="18" charset="0"/>
                 <a:cs typeface="Times New Roman" panose="02020603050405020304" pitchFamily="18" charset="0"/>
               </a:rPr>
-              <a:t>• Her bir toplama </a:t>
-            </a:r>
-            <a:r>
-              <a:rPr lang="tr-TR" sz="2200" dirty="0" err="1">
-                <a:latin typeface="Times New Roman" panose="02020603050405020304" pitchFamily="18" charset="0"/>
-                <a:cs typeface="Times New Roman" panose="02020603050405020304" pitchFamily="18" charset="0"/>
-              </a:rPr>
-              <a:t>max</a:t>
-            </a:r>
-            <a:r>
-              <a:rPr lang="tr-TR" sz="2200" dirty="0">
-                <a:latin typeface="Times New Roman" panose="02020603050405020304" pitchFamily="18" charset="0"/>
-                <a:cs typeface="Times New Roman" panose="02020603050405020304" pitchFamily="18" charset="0"/>
-              </a:rPr>
-              <a:t> işlemi gibi ele alınır.</a:t>
+              <a:t>(0,0,0,1) = 1</a:t>
             </a:r>
           </a:p>
           <a:p>
@@ -20773,7 +20826,7 @@
     </p:spTree>
     <p:extLst>
       <p:ext uri="{BB962C8B-B14F-4D97-AF65-F5344CB8AC3E}">
-        <p14:creationId xmlns:p14="http://schemas.microsoft.com/office/powerpoint/2010/main" val="188395007"/>
+        <p14:creationId xmlns:p14="http://schemas.microsoft.com/office/powerpoint/2010/main" val="3533148586"/>
       </p:ext>
     </p:extLst>
   </p:cSld>
@@ -20932,7 +20985,35 @@
                 <a:latin typeface="Times New Roman" panose="02020603050405020304" pitchFamily="18" charset="0"/>
                 <a:cs typeface="Times New Roman" panose="02020603050405020304" pitchFamily="18" charset="0"/>
               </a:rPr>
-              <a:t>Kestirme yollar:</a:t>
+              <a:t>Bulanık Bileşimler(</a:t>
+            </a:r>
+            <a:r>
+              <a:rPr lang="tr-TR" sz="2200" b="1" dirty="0" err="1">
+                <a:latin typeface="Times New Roman" panose="02020603050405020304" pitchFamily="18" charset="0"/>
+                <a:cs typeface="Times New Roman" panose="02020603050405020304" pitchFamily="18" charset="0"/>
+              </a:rPr>
+              <a:t>Fuzzy</a:t>
+            </a:r>
+            <a:r>
+              <a:rPr lang="tr-TR" sz="2200" b="1" dirty="0">
+                <a:latin typeface="Times New Roman" panose="02020603050405020304" pitchFamily="18" charset="0"/>
+                <a:cs typeface="Times New Roman" panose="02020603050405020304" pitchFamily="18" charset="0"/>
+              </a:rPr>
+              <a:t> </a:t>
+            </a:r>
+            <a:r>
+              <a:rPr lang="tr-TR" sz="2200" b="1" dirty="0" err="1">
+                <a:latin typeface="Times New Roman" panose="02020603050405020304" pitchFamily="18" charset="0"/>
+                <a:cs typeface="Times New Roman" panose="02020603050405020304" pitchFamily="18" charset="0"/>
+              </a:rPr>
+              <a:t>Compositions</a:t>
+            </a:r>
+            <a:r>
+              <a:rPr lang="tr-TR" sz="2200" b="1" dirty="0">
+                <a:latin typeface="Times New Roman" panose="02020603050405020304" pitchFamily="18" charset="0"/>
+                <a:cs typeface="Times New Roman" panose="02020603050405020304" pitchFamily="18" charset="0"/>
+              </a:rPr>
+              <a:t>)</a:t>
             </a:r>
           </a:p>
           <a:p>
@@ -20940,6 +21021,9 @@
               <a:lnSpc>
                 <a:spcPts val="2800"/>
               </a:lnSpc>
+              <a:spcAft>
+                <a:spcPts val="1200"/>
+              </a:spcAft>
               <a:buNone/>
             </a:pPr>
             <a:r>
@@ -20947,35 +21031,35 @@
                 <a:latin typeface="Times New Roman" panose="02020603050405020304" pitchFamily="18" charset="0"/>
                 <a:cs typeface="Times New Roman" panose="02020603050405020304" pitchFamily="18" charset="0"/>
               </a:rPr>
-              <a:t>Keskin Bileşimler örneğindeki R3(U,W)’nin1-3 elemanı için:</a:t>
-            </a:r>
-          </a:p>
-          <a:p>
-            <a:pPr algn="just">
+              <a:t>Ortak bir kümeyi paylaşan P(U,V) ve Q(V,W) olarak isimlendirilen kümelerin farklı çarpım uzaylarında bulanık ilişkiler bileşimi dikkate alınacaktır.</a:t>
+            </a:r>
+          </a:p>
+          <a:p>
+            <a:pPr marL="0" indent="0" algn="just">
               <a:lnSpc>
                 <a:spcPts val="2800"/>
               </a:lnSpc>
+              <a:spcAft>
+                <a:spcPts val="1200"/>
+              </a:spcAft>
+              <a:buNone/>
             </a:pPr>
             <a:r>
-              <a:rPr lang="tr-TR" sz="2200" b="1" dirty="0" err="1">
-                <a:latin typeface="Times New Roman" panose="02020603050405020304" pitchFamily="18" charset="0"/>
-                <a:cs typeface="Times New Roman" panose="02020603050405020304" pitchFamily="18" charset="0"/>
-              </a:rPr>
-              <a:t>Max-MinBileşimi</a:t>
-            </a:r>
-            <a:r>
-              <a:rPr lang="tr-TR" sz="2200" b="1" dirty="0">
-                <a:latin typeface="Times New Roman" panose="02020603050405020304" pitchFamily="18" charset="0"/>
-                <a:cs typeface="Times New Roman" panose="02020603050405020304" pitchFamily="18" charset="0"/>
-              </a:rPr>
-              <a:t>:</a:t>
-            </a:r>
-          </a:p>
-          <a:p>
-            <a:pPr marL="914400" lvl="2" indent="0" algn="just">
+              <a:rPr lang="tr-TR" sz="2200" dirty="0">
+                <a:latin typeface="Times New Roman" panose="02020603050405020304" pitchFamily="18" charset="0"/>
+                <a:cs typeface="Times New Roman" panose="02020603050405020304" pitchFamily="18" charset="0"/>
+              </a:rPr>
+              <a:t>Örneğin “x daha büyük y ve y çok yakın z” farklı çarpım uzaylarında ortak bir kümeyi paylaşan bulanık ilişkiler bileşimi keskin bileşimle benzer şekilde tanımlanmaktadır. Ancak bulanık bileşimde kümeler de bulanıktır.</a:t>
+            </a:r>
+          </a:p>
+          <a:p>
+            <a:pPr marL="457200" lvl="1" indent="0" algn="just">
               <a:lnSpc>
                 <a:spcPts val="2800"/>
               </a:lnSpc>
+              <a:spcAft>
+                <a:spcPts val="1200"/>
+              </a:spcAft>
               <a:buNone/>
             </a:pPr>
             <a:r>
@@ -20983,14 +21067,87 @@
                 <a:latin typeface="Times New Roman" panose="02020603050405020304" pitchFamily="18" charset="0"/>
                 <a:cs typeface="Times New Roman" panose="02020603050405020304" pitchFamily="18" charset="0"/>
               </a:rPr>
-              <a:t>R3(x1,z3) = 0×0 + 1×0 + 0×0 + 1×1</a:t>
-            </a:r>
-          </a:p>
-          <a:p>
-            <a:pPr marL="914400" lvl="2" indent="0" algn="just">
+              <a:t>• Bulanık ilişki R ‘</a:t>
+            </a:r>
+            <a:r>
+              <a:rPr lang="tr-TR" sz="2200" dirty="0" err="1">
+                <a:latin typeface="Times New Roman" panose="02020603050405020304" pitchFamily="18" charset="0"/>
+                <a:cs typeface="Times New Roman" panose="02020603050405020304" pitchFamily="18" charset="0"/>
+              </a:rPr>
+              <a:t>nin</a:t>
+            </a:r>
+            <a:r>
+              <a:rPr lang="tr-TR" sz="2200" dirty="0">
+                <a:latin typeface="Times New Roman" panose="02020603050405020304" pitchFamily="18" charset="0"/>
+                <a:cs typeface="Times New Roman" panose="02020603050405020304" pitchFamily="18" charset="0"/>
+              </a:rPr>
+              <a:t> üyelik fonksiyonu </a:t>
+            </a:r>
+            <a:r>
+              <a:rPr lang="el-GR" sz="2200" dirty="0">
+                <a:latin typeface="Times New Roman" panose="02020603050405020304" pitchFamily="18" charset="0"/>
+                <a:cs typeface="Times New Roman" panose="02020603050405020304" pitchFamily="18" charset="0"/>
+              </a:rPr>
+              <a:t>μ</a:t>
+            </a:r>
+            <a:r>
+              <a:rPr lang="tr-TR" sz="2200" dirty="0">
+                <a:latin typeface="Times New Roman" panose="02020603050405020304" pitchFamily="18" charset="0"/>
+                <a:cs typeface="Times New Roman" panose="02020603050405020304" pitchFamily="18" charset="0"/>
+              </a:rPr>
+              <a:t>R(</a:t>
+            </a:r>
+            <a:r>
+              <a:rPr lang="tr-TR" sz="2200" dirty="0" err="1">
+                <a:latin typeface="Times New Roman" panose="02020603050405020304" pitchFamily="18" charset="0"/>
+                <a:cs typeface="Times New Roman" panose="02020603050405020304" pitchFamily="18" charset="0"/>
+              </a:rPr>
+              <a:t>x,y</a:t>
+            </a:r>
+            <a:r>
+              <a:rPr lang="tr-TR" sz="2200" dirty="0">
+                <a:latin typeface="Times New Roman" panose="02020603050405020304" pitchFamily="18" charset="0"/>
+                <a:cs typeface="Times New Roman" panose="02020603050405020304" pitchFamily="18" charset="0"/>
+              </a:rPr>
+              <a:t>), </a:t>
+            </a:r>
+            <a:r>
+              <a:rPr lang="el-GR" sz="2200" dirty="0">
+                <a:latin typeface="Times New Roman" panose="02020603050405020304" pitchFamily="18" charset="0"/>
+                <a:cs typeface="Times New Roman" panose="02020603050405020304" pitchFamily="18" charset="0"/>
+              </a:rPr>
+              <a:t>μ</a:t>
+            </a:r>
+            <a:r>
+              <a:rPr lang="tr-TR" sz="2200" dirty="0">
+                <a:latin typeface="Times New Roman" panose="02020603050405020304" pitchFamily="18" charset="0"/>
+                <a:cs typeface="Times New Roman" panose="02020603050405020304" pitchFamily="18" charset="0"/>
+              </a:rPr>
+              <a:t>R(</a:t>
+            </a:r>
+            <a:r>
+              <a:rPr lang="tr-TR" sz="2200" dirty="0" err="1">
+                <a:latin typeface="Times New Roman" panose="02020603050405020304" pitchFamily="18" charset="0"/>
+                <a:cs typeface="Times New Roman" panose="02020603050405020304" pitchFamily="18" charset="0"/>
+              </a:rPr>
+              <a:t>x,y</a:t>
+            </a:r>
+            <a:r>
+              <a:rPr lang="tr-TR" sz="2200" dirty="0">
+                <a:latin typeface="Times New Roman" panose="02020603050405020304" pitchFamily="18" charset="0"/>
+                <a:cs typeface="Times New Roman" panose="02020603050405020304" pitchFamily="18" charset="0"/>
+              </a:rPr>
+              <a:t>)∈[0,1]</a:t>
+            </a:r>
+          </a:p>
+          <a:p>
+            <a:pPr marL="457200" lvl="1" indent="0" algn="just">
               <a:lnSpc>
                 <a:spcPts val="2800"/>
               </a:lnSpc>
+              <a:spcAft>
+                <a:spcPts val="1200"/>
+              </a:spcAft>
               <a:buNone/>
             </a:pPr>
             <a:r>
@@ -20998,70 +21155,87 @@
                 <a:latin typeface="Times New Roman" panose="02020603050405020304" pitchFamily="18" charset="0"/>
                 <a:cs typeface="Times New Roman" panose="02020603050405020304" pitchFamily="18" charset="0"/>
               </a:rPr>
-              <a:t>= </a:t>
+              <a:t>• Bulanık ilişki S ‘</a:t>
             </a:r>
             <a:r>
               <a:rPr lang="tr-TR" sz="2200" dirty="0" err="1">
                 <a:latin typeface="Times New Roman" panose="02020603050405020304" pitchFamily="18" charset="0"/>
                 <a:cs typeface="Times New Roman" panose="02020603050405020304" pitchFamily="18" charset="0"/>
               </a:rPr>
-              <a:t>min</a:t>
+              <a:t>nin</a:t>
             </a:r>
             <a:r>
               <a:rPr lang="tr-TR" sz="2200" dirty="0">
                 <a:latin typeface="Times New Roman" panose="02020603050405020304" pitchFamily="18" charset="0"/>
                 <a:cs typeface="Times New Roman" panose="02020603050405020304" pitchFamily="18" charset="0"/>
               </a:rPr>
-              <a:t>(0,0) + </a:t>
+              <a:t> üyelik fonksiyonu </a:t>
+            </a:r>
+            <a:r>
+              <a:rPr lang="el-GR" sz="2200" dirty="0">
+                <a:latin typeface="Times New Roman" panose="02020603050405020304" pitchFamily="18" charset="0"/>
+                <a:cs typeface="Times New Roman" panose="02020603050405020304" pitchFamily="18" charset="0"/>
+              </a:rPr>
+              <a:t>μ</a:t>
+            </a:r>
+            <a:r>
+              <a:rPr lang="tr-TR" sz="2200" dirty="0">
+                <a:latin typeface="Times New Roman" panose="02020603050405020304" pitchFamily="18" charset="0"/>
+                <a:cs typeface="Times New Roman" panose="02020603050405020304" pitchFamily="18" charset="0"/>
+              </a:rPr>
+              <a:t>S(</a:t>
             </a:r>
             <a:r>
               <a:rPr lang="tr-TR" sz="2200" dirty="0" err="1">
                 <a:latin typeface="Times New Roman" panose="02020603050405020304" pitchFamily="18" charset="0"/>
                 <a:cs typeface="Times New Roman" panose="02020603050405020304" pitchFamily="18" charset="0"/>
               </a:rPr>
-              <a:t>min</a:t>
+              <a:t>y,z</a:t>
             </a:r>
             <a:r>
               <a:rPr lang="tr-TR" sz="2200" dirty="0">
                 <a:latin typeface="Times New Roman" panose="02020603050405020304" pitchFamily="18" charset="0"/>
                 <a:cs typeface="Times New Roman" panose="02020603050405020304" pitchFamily="18" charset="0"/>
               </a:rPr>
-              <a:t>(1,0) + </a:t>
+              <a:t>), </a:t>
+            </a:r>
+            <a:r>
+              <a:rPr lang="el-GR" sz="2200" dirty="0">
+                <a:latin typeface="Times New Roman" panose="02020603050405020304" pitchFamily="18" charset="0"/>
+                <a:cs typeface="Times New Roman" panose="02020603050405020304" pitchFamily="18" charset="0"/>
+              </a:rPr>
+              <a:t>μ</a:t>
+            </a:r>
+            <a:r>
+              <a:rPr lang="tr-TR" sz="2200" dirty="0">
+                <a:latin typeface="Times New Roman" panose="02020603050405020304" pitchFamily="18" charset="0"/>
+                <a:cs typeface="Times New Roman" panose="02020603050405020304" pitchFamily="18" charset="0"/>
+              </a:rPr>
+              <a:t>S(</a:t>
             </a:r>
             <a:r>
               <a:rPr lang="tr-TR" sz="2200" dirty="0" err="1">
                 <a:latin typeface="Times New Roman" panose="02020603050405020304" pitchFamily="18" charset="0"/>
                 <a:cs typeface="Times New Roman" panose="02020603050405020304" pitchFamily="18" charset="0"/>
               </a:rPr>
-              <a:t>min</a:t>
+              <a:t>y,z</a:t>
             </a:r>
             <a:r>
               <a:rPr lang="tr-TR" sz="2200" dirty="0">
                 <a:latin typeface="Times New Roman" panose="02020603050405020304" pitchFamily="18" charset="0"/>
                 <a:cs typeface="Times New Roman" panose="02020603050405020304" pitchFamily="18" charset="0"/>
               </a:rPr>
-              <a:t>(0,0) + </a:t>
-            </a:r>
-            <a:r>
-              <a:rPr lang="tr-TR" sz="2200" dirty="0" err="1">
-                <a:latin typeface="Times New Roman" panose="02020603050405020304" pitchFamily="18" charset="0"/>
-                <a:cs typeface="Times New Roman" panose="02020603050405020304" pitchFamily="18" charset="0"/>
-              </a:rPr>
-              <a:t>min</a:t>
-            </a:r>
-            <a:r>
-              <a:rPr lang="tr-TR" sz="2200" dirty="0">
-                <a:latin typeface="Times New Roman" panose="02020603050405020304" pitchFamily="18" charset="0"/>
-                <a:cs typeface="Times New Roman" panose="02020603050405020304" pitchFamily="18" charset="0"/>
-              </a:rPr>
-              <a:t>(1,1)</a:t>
-            </a:r>
-          </a:p>
-          <a:p>
-            <a:pPr marL="914400" lvl="2" indent="0" algn="just">
+              <a:t>)∈[0,1].</a:t>
+            </a:r>
+          </a:p>
+          <a:p>
+            <a:pPr marL="0" indent="0" algn="just">
               <a:lnSpc>
                 <a:spcPts val="2800"/>
               </a:lnSpc>
+              <a:spcAft>
+                <a:spcPts val="1200"/>
+              </a:spcAft>
               <a:buNone/>
             </a:pPr>
             <a:r>
@@ -21069,101 +21243,35 @@
                 <a:latin typeface="Times New Roman" panose="02020603050405020304" pitchFamily="18" charset="0"/>
                 <a:cs typeface="Times New Roman" panose="02020603050405020304" pitchFamily="18" charset="0"/>
               </a:rPr>
-              <a:t>= </a:t>
+              <a:t>R ve S ayrık evrensel kümelerde olduğunda </a:t>
             </a:r>
             <a:r>
               <a:rPr lang="tr-TR" sz="2200" dirty="0" err="1">
                 <a:latin typeface="Times New Roman" panose="02020603050405020304" pitchFamily="18" charset="0"/>
                 <a:cs typeface="Times New Roman" panose="02020603050405020304" pitchFamily="18" charset="0"/>
               </a:rPr>
-              <a:t>max</a:t>
+              <a:t>RoS</a:t>
             </a:r>
             <a:r>
               <a:rPr lang="tr-TR" sz="2200" dirty="0">
                 <a:latin typeface="Times New Roman" panose="02020603050405020304" pitchFamily="18" charset="0"/>
                 <a:cs typeface="Times New Roman" panose="02020603050405020304" pitchFamily="18" charset="0"/>
               </a:rPr>
-              <a:t>(0,0,0,1) = 1</a:t>
-            </a:r>
-          </a:p>
-          <a:p>
-            <a:pPr algn="just">
-              <a:lnSpc>
-                <a:spcPts val="2800"/>
-              </a:lnSpc>
-            </a:pPr>
-            <a:r>
-              <a:rPr lang="tr-TR" sz="2200" b="1" dirty="0" err="1">
-                <a:latin typeface="Times New Roman" panose="02020603050405020304" pitchFamily="18" charset="0"/>
-                <a:cs typeface="Times New Roman" panose="02020603050405020304" pitchFamily="18" charset="0"/>
-              </a:rPr>
-              <a:t>Max</a:t>
-            </a:r>
-            <a:r>
-              <a:rPr lang="tr-TR" sz="2200" b="1" dirty="0">
-                <a:latin typeface="Times New Roman" panose="02020603050405020304" pitchFamily="18" charset="0"/>
-                <a:cs typeface="Times New Roman" panose="02020603050405020304" pitchFamily="18" charset="0"/>
-              </a:rPr>
-              <a:t>-Çarpım Bileşimi:</a:t>
-            </a:r>
-          </a:p>
-          <a:p>
-            <a:pPr marL="914400" lvl="2" indent="0" algn="just">
-              <a:lnSpc>
-                <a:spcPts val="2800"/>
-              </a:lnSpc>
-              <a:buNone/>
-            </a:pPr>
+              <a:t> şeklinde gösterilen R ve S ‘</a:t>
+            </a:r>
+            <a:r>
+              <a:rPr lang="tr-TR" sz="2200" dirty="0" err="1">
+                <a:latin typeface="Times New Roman" panose="02020603050405020304" pitchFamily="18" charset="0"/>
+                <a:cs typeface="Times New Roman" panose="02020603050405020304" pitchFamily="18" charset="0"/>
+              </a:rPr>
+              <a:t>nin</a:t>
+            </a:r>
             <a:r>
               <a:rPr lang="tr-TR" sz="2200" dirty="0">
                 <a:latin typeface="Times New Roman" panose="02020603050405020304" pitchFamily="18" charset="0"/>
                 <a:cs typeface="Times New Roman" panose="02020603050405020304" pitchFamily="18" charset="0"/>
               </a:rPr>
-              <a:t>R3(x1,z3) = 0×0 + 1×0 + 0×0 + 1×1</a:t>
-            </a:r>
-          </a:p>
-          <a:p>
-            <a:pPr marL="914400" lvl="2" indent="0" algn="just">
-              <a:lnSpc>
-                <a:spcPts val="2800"/>
-              </a:lnSpc>
-              <a:buNone/>
-            </a:pPr>
-            <a:r>
-              <a:rPr lang="tr-TR" sz="2200" dirty="0">
-                <a:latin typeface="Times New Roman" panose="02020603050405020304" pitchFamily="18" charset="0"/>
-                <a:cs typeface="Times New Roman" panose="02020603050405020304" pitchFamily="18" charset="0"/>
-              </a:rPr>
-              <a:t>= (0x0) + (1x0) + (0x0) + (1x1)</a:t>
-            </a:r>
-          </a:p>
-          <a:p>
-            <a:pPr marL="914400" lvl="2" indent="0" algn="just">
-              <a:lnSpc>
-                <a:spcPts val="2800"/>
-              </a:lnSpc>
-              <a:buNone/>
-            </a:pPr>
-            <a:r>
-              <a:rPr lang="tr-TR" sz="2200" dirty="0">
-                <a:latin typeface="Times New Roman" panose="02020603050405020304" pitchFamily="18" charset="0"/>
-                <a:cs typeface="Times New Roman" panose="02020603050405020304" pitchFamily="18" charset="0"/>
-              </a:rPr>
-              <a:t>= </a:t>
-            </a:r>
-            <a:r>
-              <a:rPr lang="tr-TR" sz="2200" dirty="0" err="1">
-                <a:latin typeface="Times New Roman" panose="02020603050405020304" pitchFamily="18" charset="0"/>
-                <a:cs typeface="Times New Roman" panose="02020603050405020304" pitchFamily="18" charset="0"/>
-              </a:rPr>
-              <a:t>max</a:t>
-            </a:r>
-            <a:r>
-              <a:rPr lang="tr-TR" sz="2200" dirty="0">
-                <a:latin typeface="Times New Roman" panose="02020603050405020304" pitchFamily="18" charset="0"/>
-                <a:cs typeface="Times New Roman" panose="02020603050405020304" pitchFamily="18" charset="0"/>
-              </a:rPr>
-              <a:t>(0,0,0,1) = 1</a:t>
+              <a:t> bulanık bileşimi, ya ok diyagramları tarafından ya da bir bulanık ilişkisel matrisle tanımlanabilir.</a:t>
             </a:r>
           </a:p>
           <a:p>
@@ -21183,7 +21291,7 @@
     </p:spTree>
     <p:extLst>
       <p:ext uri="{BB962C8B-B14F-4D97-AF65-F5344CB8AC3E}">
-        <p14:creationId xmlns:p14="http://schemas.microsoft.com/office/powerpoint/2010/main" val="3533148586"/>
+        <p14:creationId xmlns:p14="http://schemas.microsoft.com/office/powerpoint/2010/main" val="2107610834"/>
       </p:ext>
     </p:extLst>
   </p:cSld>
@@ -21294,471 +21402,6 @@
                 </a:solidFill>
               </a:rPr>
               <a:t>27</a:t>
-            </a:fld>
-            <a:endParaRPr lang="tr-TR" b="1" cap="all" spc="100" dirty="0">
-              <a:solidFill>
-                <a:schemeClr val="accent2"/>
-              </a:solidFill>
-            </a:endParaRPr>
-          </a:p>
-        </p:txBody>
-      </p:sp>
-      <p:sp>
-        <p:nvSpPr>
-          <p:cNvPr id="5" name="İçerik Yer Tutucusu 4">
-            <a:extLst>
-              <a:ext uri="{FF2B5EF4-FFF2-40B4-BE49-F238E27FC236}">
-                <a16:creationId xmlns:a16="http://schemas.microsoft.com/office/drawing/2014/main" id="{B865B57B-DBA5-4404-BAEF-E4634405BB26}"/>
-              </a:ext>
-            </a:extLst>
-          </p:cNvPr>
-          <p:cNvSpPr>
-            <a:spLocks noGrp="1"/>
-          </p:cNvSpPr>
-          <p:nvPr>
-            <p:ph idx="1"/>
-          </p:nvPr>
-        </p:nvSpPr>
-        <p:spPr>
-          <a:xfrm>
-            <a:off x="838200" y="986446"/>
-            <a:ext cx="10515600" cy="5369904"/>
-          </a:xfrm>
-        </p:spPr>
-        <p:txBody>
-          <a:bodyPr>
-            <a:normAutofit/>
-          </a:bodyPr>
-          <a:lstStyle/>
-          <a:p>
-            <a:pPr marL="0" indent="0" algn="ctr">
-              <a:lnSpc>
-                <a:spcPts val="2800"/>
-              </a:lnSpc>
-              <a:buNone/>
-            </a:pPr>
-            <a:r>
-              <a:rPr lang="tr-TR" sz="2200" b="1" dirty="0">
-                <a:latin typeface="Times New Roman" panose="02020603050405020304" pitchFamily="18" charset="0"/>
-                <a:cs typeface="Times New Roman" panose="02020603050405020304" pitchFamily="18" charset="0"/>
-              </a:rPr>
-              <a:t>Bulanık Bileşimler(</a:t>
-            </a:r>
-            <a:r>
-              <a:rPr lang="tr-TR" sz="2200" b="1" dirty="0" err="1">
-                <a:latin typeface="Times New Roman" panose="02020603050405020304" pitchFamily="18" charset="0"/>
-                <a:cs typeface="Times New Roman" panose="02020603050405020304" pitchFamily="18" charset="0"/>
-              </a:rPr>
-              <a:t>Fuzzy</a:t>
-            </a:r>
-            <a:r>
-              <a:rPr lang="tr-TR" sz="2200" b="1" dirty="0">
-                <a:latin typeface="Times New Roman" panose="02020603050405020304" pitchFamily="18" charset="0"/>
-                <a:cs typeface="Times New Roman" panose="02020603050405020304" pitchFamily="18" charset="0"/>
-              </a:rPr>
-              <a:t> </a:t>
-            </a:r>
-            <a:r>
-              <a:rPr lang="tr-TR" sz="2200" b="1" dirty="0" err="1">
-                <a:latin typeface="Times New Roman" panose="02020603050405020304" pitchFamily="18" charset="0"/>
-                <a:cs typeface="Times New Roman" panose="02020603050405020304" pitchFamily="18" charset="0"/>
-              </a:rPr>
-              <a:t>Compositions</a:t>
-            </a:r>
-            <a:r>
-              <a:rPr lang="tr-TR" sz="2200" b="1" dirty="0">
-                <a:latin typeface="Times New Roman" panose="02020603050405020304" pitchFamily="18" charset="0"/>
-                <a:cs typeface="Times New Roman" panose="02020603050405020304" pitchFamily="18" charset="0"/>
-              </a:rPr>
-              <a:t>)</a:t>
-            </a:r>
-          </a:p>
-          <a:p>
-            <a:pPr marL="0" indent="0" algn="just">
-              <a:lnSpc>
-                <a:spcPts val="2800"/>
-              </a:lnSpc>
-              <a:spcAft>
-                <a:spcPts val="1200"/>
-              </a:spcAft>
-              <a:buNone/>
-            </a:pPr>
-            <a:r>
-              <a:rPr lang="tr-TR" sz="2200" dirty="0">
-                <a:latin typeface="Times New Roman" panose="02020603050405020304" pitchFamily="18" charset="0"/>
-                <a:cs typeface="Times New Roman" panose="02020603050405020304" pitchFamily="18" charset="0"/>
-              </a:rPr>
-              <a:t>Ortak bir kümeyi paylaşan P(U,V) ve Q(V,W) olarak isimlendirilen kümelerin farklı çarpım uzaylarında bulanık ilişkiler bileşimi dikkate alınacaktır.</a:t>
-            </a:r>
-          </a:p>
-          <a:p>
-            <a:pPr marL="0" indent="0" algn="just">
-              <a:lnSpc>
-                <a:spcPts val="2800"/>
-              </a:lnSpc>
-              <a:spcAft>
-                <a:spcPts val="1200"/>
-              </a:spcAft>
-              <a:buNone/>
-            </a:pPr>
-            <a:r>
-              <a:rPr lang="tr-TR" sz="2200" dirty="0">
-                <a:latin typeface="Times New Roman" panose="02020603050405020304" pitchFamily="18" charset="0"/>
-                <a:cs typeface="Times New Roman" panose="02020603050405020304" pitchFamily="18" charset="0"/>
-              </a:rPr>
-              <a:t>Örneğin “x daha büyük y ve y çok yakın z” farklı çarpım uzaylarında ortak bir kümeyi paylaşan bulanık ilişkiler bileşimi keskin bileşimle benzer şekilde tanımlanmaktadır. Ancak bulanık bileşimde kümeler de bulanıktır.</a:t>
-            </a:r>
-          </a:p>
-          <a:p>
-            <a:pPr marL="457200" lvl="1" indent="0" algn="just">
-              <a:lnSpc>
-                <a:spcPts val="2800"/>
-              </a:lnSpc>
-              <a:spcAft>
-                <a:spcPts val="1200"/>
-              </a:spcAft>
-              <a:buNone/>
-            </a:pPr>
-            <a:r>
-              <a:rPr lang="tr-TR" sz="2200" dirty="0">
-                <a:latin typeface="Times New Roman" panose="02020603050405020304" pitchFamily="18" charset="0"/>
-                <a:cs typeface="Times New Roman" panose="02020603050405020304" pitchFamily="18" charset="0"/>
-              </a:rPr>
-              <a:t>• Bulanık ilişki R ‘</a:t>
-            </a:r>
-            <a:r>
-              <a:rPr lang="tr-TR" sz="2200" dirty="0" err="1">
-                <a:latin typeface="Times New Roman" panose="02020603050405020304" pitchFamily="18" charset="0"/>
-                <a:cs typeface="Times New Roman" panose="02020603050405020304" pitchFamily="18" charset="0"/>
-              </a:rPr>
-              <a:t>nin</a:t>
-            </a:r>
-            <a:r>
-              <a:rPr lang="tr-TR" sz="2200" dirty="0">
-                <a:latin typeface="Times New Roman" panose="02020603050405020304" pitchFamily="18" charset="0"/>
-                <a:cs typeface="Times New Roman" panose="02020603050405020304" pitchFamily="18" charset="0"/>
-              </a:rPr>
-              <a:t> üyelik fonksiyonu </a:t>
-            </a:r>
-            <a:r>
-              <a:rPr lang="el-GR" sz="2200" dirty="0">
-                <a:latin typeface="Times New Roman" panose="02020603050405020304" pitchFamily="18" charset="0"/>
-                <a:cs typeface="Times New Roman" panose="02020603050405020304" pitchFamily="18" charset="0"/>
-              </a:rPr>
-              <a:t>μ</a:t>
-            </a:r>
-            <a:r>
-              <a:rPr lang="tr-TR" sz="2200" dirty="0">
-                <a:latin typeface="Times New Roman" panose="02020603050405020304" pitchFamily="18" charset="0"/>
-                <a:cs typeface="Times New Roman" panose="02020603050405020304" pitchFamily="18" charset="0"/>
-              </a:rPr>
-              <a:t>R(</a:t>
-            </a:r>
-            <a:r>
-              <a:rPr lang="tr-TR" sz="2200" dirty="0" err="1">
-                <a:latin typeface="Times New Roman" panose="02020603050405020304" pitchFamily="18" charset="0"/>
-                <a:cs typeface="Times New Roman" panose="02020603050405020304" pitchFamily="18" charset="0"/>
-              </a:rPr>
-              <a:t>x,y</a:t>
-            </a:r>
-            <a:r>
-              <a:rPr lang="tr-TR" sz="2200" dirty="0">
-                <a:latin typeface="Times New Roman" panose="02020603050405020304" pitchFamily="18" charset="0"/>
-                <a:cs typeface="Times New Roman" panose="02020603050405020304" pitchFamily="18" charset="0"/>
-              </a:rPr>
-              <a:t>), </a:t>
-            </a:r>
-            <a:r>
-              <a:rPr lang="el-GR" sz="2200" dirty="0">
-                <a:latin typeface="Times New Roman" panose="02020603050405020304" pitchFamily="18" charset="0"/>
-                <a:cs typeface="Times New Roman" panose="02020603050405020304" pitchFamily="18" charset="0"/>
-              </a:rPr>
-              <a:t>μ</a:t>
-            </a:r>
-            <a:r>
-              <a:rPr lang="tr-TR" sz="2200" dirty="0">
-                <a:latin typeface="Times New Roman" panose="02020603050405020304" pitchFamily="18" charset="0"/>
-                <a:cs typeface="Times New Roman" panose="02020603050405020304" pitchFamily="18" charset="0"/>
-              </a:rPr>
-              <a:t>R(</a:t>
-            </a:r>
-            <a:r>
-              <a:rPr lang="tr-TR" sz="2200" dirty="0" err="1">
-                <a:latin typeface="Times New Roman" panose="02020603050405020304" pitchFamily="18" charset="0"/>
-                <a:cs typeface="Times New Roman" panose="02020603050405020304" pitchFamily="18" charset="0"/>
-              </a:rPr>
-              <a:t>x,y</a:t>
-            </a:r>
-            <a:r>
-              <a:rPr lang="tr-TR" sz="2200" dirty="0">
-                <a:latin typeface="Times New Roman" panose="02020603050405020304" pitchFamily="18" charset="0"/>
-                <a:cs typeface="Times New Roman" panose="02020603050405020304" pitchFamily="18" charset="0"/>
-              </a:rPr>
-              <a:t>)∈[0,1]</a:t>
-            </a:r>
-          </a:p>
-          <a:p>
-            <a:pPr marL="457200" lvl="1" indent="0" algn="just">
-              <a:lnSpc>
-                <a:spcPts val="2800"/>
-              </a:lnSpc>
-              <a:spcAft>
-                <a:spcPts val="1200"/>
-              </a:spcAft>
-              <a:buNone/>
-            </a:pPr>
-            <a:r>
-              <a:rPr lang="tr-TR" sz="2200" dirty="0">
-                <a:latin typeface="Times New Roman" panose="02020603050405020304" pitchFamily="18" charset="0"/>
-                <a:cs typeface="Times New Roman" panose="02020603050405020304" pitchFamily="18" charset="0"/>
-              </a:rPr>
-              <a:t>• Bulanık ilişki S ‘</a:t>
-            </a:r>
-            <a:r>
-              <a:rPr lang="tr-TR" sz="2200" dirty="0" err="1">
-                <a:latin typeface="Times New Roman" panose="02020603050405020304" pitchFamily="18" charset="0"/>
-                <a:cs typeface="Times New Roman" panose="02020603050405020304" pitchFamily="18" charset="0"/>
-              </a:rPr>
-              <a:t>nin</a:t>
-            </a:r>
-            <a:r>
-              <a:rPr lang="tr-TR" sz="2200" dirty="0">
-                <a:latin typeface="Times New Roman" panose="02020603050405020304" pitchFamily="18" charset="0"/>
-                <a:cs typeface="Times New Roman" panose="02020603050405020304" pitchFamily="18" charset="0"/>
-              </a:rPr>
-              <a:t> üyelik fonksiyonu </a:t>
-            </a:r>
-            <a:r>
-              <a:rPr lang="el-GR" sz="2200" dirty="0">
-                <a:latin typeface="Times New Roman" panose="02020603050405020304" pitchFamily="18" charset="0"/>
-                <a:cs typeface="Times New Roman" panose="02020603050405020304" pitchFamily="18" charset="0"/>
-              </a:rPr>
-              <a:t>μ</a:t>
-            </a:r>
-            <a:r>
-              <a:rPr lang="tr-TR" sz="2200" dirty="0">
-                <a:latin typeface="Times New Roman" panose="02020603050405020304" pitchFamily="18" charset="0"/>
-                <a:cs typeface="Times New Roman" panose="02020603050405020304" pitchFamily="18" charset="0"/>
-              </a:rPr>
-              <a:t>S(</a:t>
-            </a:r>
-            <a:r>
-              <a:rPr lang="tr-TR" sz="2200" dirty="0" err="1">
-                <a:latin typeface="Times New Roman" panose="02020603050405020304" pitchFamily="18" charset="0"/>
-                <a:cs typeface="Times New Roman" panose="02020603050405020304" pitchFamily="18" charset="0"/>
-              </a:rPr>
-              <a:t>y,z</a:t>
-            </a:r>
-            <a:r>
-              <a:rPr lang="tr-TR" sz="2200" dirty="0">
-                <a:latin typeface="Times New Roman" panose="02020603050405020304" pitchFamily="18" charset="0"/>
-                <a:cs typeface="Times New Roman" panose="02020603050405020304" pitchFamily="18" charset="0"/>
-              </a:rPr>
-              <a:t>), </a:t>
-            </a:r>
-            <a:r>
-              <a:rPr lang="el-GR" sz="2200" dirty="0">
-                <a:latin typeface="Times New Roman" panose="02020603050405020304" pitchFamily="18" charset="0"/>
-                <a:cs typeface="Times New Roman" panose="02020603050405020304" pitchFamily="18" charset="0"/>
-              </a:rPr>
-              <a:t>μ</a:t>
-            </a:r>
-            <a:r>
-              <a:rPr lang="tr-TR" sz="2200" dirty="0">
-                <a:latin typeface="Times New Roman" panose="02020603050405020304" pitchFamily="18" charset="0"/>
-                <a:cs typeface="Times New Roman" panose="02020603050405020304" pitchFamily="18" charset="0"/>
-              </a:rPr>
-              <a:t>S(</a:t>
-            </a:r>
-            <a:r>
-              <a:rPr lang="tr-TR" sz="2200" dirty="0" err="1">
-                <a:latin typeface="Times New Roman" panose="02020603050405020304" pitchFamily="18" charset="0"/>
-                <a:cs typeface="Times New Roman" panose="02020603050405020304" pitchFamily="18" charset="0"/>
-              </a:rPr>
-              <a:t>y,z</a:t>
-            </a:r>
-            <a:r>
-              <a:rPr lang="tr-TR" sz="2200" dirty="0">
-                <a:latin typeface="Times New Roman" panose="02020603050405020304" pitchFamily="18" charset="0"/>
-                <a:cs typeface="Times New Roman" panose="02020603050405020304" pitchFamily="18" charset="0"/>
-              </a:rPr>
-              <a:t>)∈[0,1].</a:t>
-            </a:r>
-          </a:p>
-          <a:p>
-            <a:pPr marL="0" indent="0" algn="just">
-              <a:lnSpc>
-                <a:spcPts val="2800"/>
-              </a:lnSpc>
-              <a:spcAft>
-                <a:spcPts val="1200"/>
-              </a:spcAft>
-              <a:buNone/>
-            </a:pPr>
-            <a:r>
-              <a:rPr lang="tr-TR" sz="2200" dirty="0">
-                <a:latin typeface="Times New Roman" panose="02020603050405020304" pitchFamily="18" charset="0"/>
-                <a:cs typeface="Times New Roman" panose="02020603050405020304" pitchFamily="18" charset="0"/>
-              </a:rPr>
-              <a:t>R ve S ayrık evrensel kümelerde olduğunda </a:t>
-            </a:r>
-            <a:r>
-              <a:rPr lang="tr-TR" sz="2200" dirty="0" err="1">
-                <a:latin typeface="Times New Roman" panose="02020603050405020304" pitchFamily="18" charset="0"/>
-                <a:cs typeface="Times New Roman" panose="02020603050405020304" pitchFamily="18" charset="0"/>
-              </a:rPr>
-              <a:t>RoS</a:t>
-            </a:r>
-            <a:r>
-              <a:rPr lang="tr-TR" sz="2200" dirty="0">
-                <a:latin typeface="Times New Roman" panose="02020603050405020304" pitchFamily="18" charset="0"/>
-                <a:cs typeface="Times New Roman" panose="02020603050405020304" pitchFamily="18" charset="0"/>
-              </a:rPr>
-              <a:t> şeklinde gösterilen R ve S ‘</a:t>
-            </a:r>
-            <a:r>
-              <a:rPr lang="tr-TR" sz="2200" dirty="0" err="1">
-                <a:latin typeface="Times New Roman" panose="02020603050405020304" pitchFamily="18" charset="0"/>
-                <a:cs typeface="Times New Roman" panose="02020603050405020304" pitchFamily="18" charset="0"/>
-              </a:rPr>
-              <a:t>nin</a:t>
-            </a:r>
-            <a:r>
-              <a:rPr lang="tr-TR" sz="2200" dirty="0">
-                <a:latin typeface="Times New Roman" panose="02020603050405020304" pitchFamily="18" charset="0"/>
-                <a:cs typeface="Times New Roman" panose="02020603050405020304" pitchFamily="18" charset="0"/>
-              </a:rPr>
-              <a:t> bulanık bileşimi, ya ok diyagramları tarafından ya da bir bulanık ilişkisel matrisle tanımlanabilir.</a:t>
-            </a:r>
-          </a:p>
-          <a:p>
-            <a:pPr marL="0" indent="0" algn="just">
-              <a:lnSpc>
-                <a:spcPts val="2800"/>
-              </a:lnSpc>
-              <a:buNone/>
-            </a:pPr>
-            <a:endParaRPr lang="tr-TR" sz="2200" dirty="0">
-              <a:latin typeface="Times New Roman" panose="02020603050405020304" pitchFamily="18" charset="0"/>
-              <a:cs typeface="Times New Roman" panose="02020603050405020304" pitchFamily="18" charset="0"/>
-            </a:endParaRPr>
-          </a:p>
-        </p:txBody>
-      </p:sp>
-    </p:spTree>
-    <p:extLst>
-      <p:ext uri="{BB962C8B-B14F-4D97-AF65-F5344CB8AC3E}">
-        <p14:creationId xmlns:p14="http://schemas.microsoft.com/office/powerpoint/2010/main" val="2107610834"/>
-      </p:ext>
-    </p:extLst>
-  </p:cSld>
-  <p:clrMapOvr>
-    <a:masterClrMapping/>
-  </p:clrMapOvr>
-</p:sld>
-</file>
-
-<file path=ppt/slides/slide28.xml><?xml version="1.0" encoding="utf-8"?>
-<p:sld xmlns:a="http://schemas.openxmlformats.org/drawingml/2006/main" xmlns:r="http://schemas.openxmlformats.org/officeDocument/2006/relationships" xmlns:p="http://schemas.openxmlformats.org/presentationml/2006/main">
-  <p:cSld>
-    <p:spTree>
-      <p:nvGrpSpPr>
-        <p:cNvPr id="1" name=""/>
-        <p:cNvGrpSpPr/>
-        <p:nvPr/>
-      </p:nvGrpSpPr>
-      <p:grpSpPr>
-        <a:xfrm>
-          <a:off x="0" y="0"/>
-          <a:ext cx="0" cy="0"/>
-          <a:chOff x="0" y="0"/>
-          <a:chExt cx="0" cy="0"/>
-        </a:xfrm>
-      </p:grpSpPr>
-      <p:sp>
-        <p:nvSpPr>
-          <p:cNvPr id="4" name="Başlık 3">
-            <a:extLst>
-              <a:ext uri="{FF2B5EF4-FFF2-40B4-BE49-F238E27FC236}">
-                <a16:creationId xmlns:a16="http://schemas.microsoft.com/office/drawing/2014/main" id="{55E27C7C-4B68-4BBC-BF36-8959D8493E4A}"/>
-              </a:ext>
-            </a:extLst>
-          </p:cNvPr>
-          <p:cNvSpPr>
-            <a:spLocks noGrp="1"/>
-          </p:cNvSpPr>
-          <p:nvPr>
-            <p:ph type="title"/>
-          </p:nvPr>
-        </p:nvSpPr>
-        <p:spPr>
-          <a:xfrm>
-            <a:off x="838200" y="396825"/>
-            <a:ext cx="10515600" cy="610821"/>
-          </a:xfrm>
-        </p:spPr>
-        <p:txBody>
-          <a:bodyPr rtlCol="0">
-            <a:normAutofit/>
-          </a:bodyPr>
-          <a:lstStyle/>
-          <a:p>
-            <a:pPr marL="0" indent="0" algn="ctr">
-              <a:lnSpc>
-                <a:spcPts val="2300"/>
-              </a:lnSpc>
-              <a:spcBef>
-                <a:spcPts val="0"/>
-              </a:spcBef>
-              <a:spcAft>
-                <a:spcPts val="1200"/>
-              </a:spcAft>
-              <a:buNone/>
-            </a:pPr>
-            <a:r>
-              <a:rPr lang="tr-TR" sz="4000" b="1" dirty="0">
-                <a:latin typeface="Times New Roman" panose="02020603050405020304" pitchFamily="18" charset="0"/>
-                <a:cs typeface="Times New Roman" panose="02020603050405020304" pitchFamily="18" charset="0"/>
-              </a:rPr>
-              <a:t>Farklı Çarpım Uzayında İlişkiler ve Bileşimler</a:t>
-            </a:r>
-          </a:p>
-        </p:txBody>
-      </p:sp>
-      <p:sp>
-        <p:nvSpPr>
-          <p:cNvPr id="9" name="Slayt Numarası Yer Tutucusu 5">
-            <a:extLst>
-              <a:ext uri="{FF2B5EF4-FFF2-40B4-BE49-F238E27FC236}">
-                <a16:creationId xmlns:a16="http://schemas.microsoft.com/office/drawing/2014/main" id="{4FC290B8-BF94-4636-BFAB-9FD67F4AAC6D}"/>
-              </a:ext>
-            </a:extLst>
-          </p:cNvPr>
-          <p:cNvSpPr>
-            <a:spLocks noGrp="1"/>
-          </p:cNvSpPr>
-          <p:nvPr>
-            <p:ph type="sldNum" sz="quarter" idx="12"/>
-          </p:nvPr>
-        </p:nvSpPr>
-        <p:spPr>
-          <a:xfrm>
-            <a:off x="8610600" y="6356350"/>
-            <a:ext cx="2743200" cy="365125"/>
-          </a:xfrm>
-        </p:spPr>
-        <p:txBody>
-          <a:bodyPr rtlCol="0"/>
-          <a:lstStyle/>
-          <a:p>
-            <a:pPr rtl="0"/>
-            <a:fld id="{D8DA9DAA-006C-4F4B-980E-E3DF019B24E2}" type="slidenum">
-              <a:rPr lang="tr-TR" b="1" cap="all" spc="100" smtClean="0">
-                <a:solidFill>
-                  <a:schemeClr val="accent2"/>
-                </a:solidFill>
-              </a:rPr>
-              <a:t>28</a:t>
             </a:fld>
             <a:endParaRPr lang="tr-TR" b="1" cap="all" spc="100" dirty="0">
               <a:solidFill>
@@ -22150,7 +21793,7 @@
 </p:sld>
 </file>
 
-<file path=ppt/slides/slide29.xml><?xml version="1.0" encoding="utf-8"?>
+<file path=ppt/slides/slide28.xml><?xml version="1.0" encoding="utf-8"?>
 <p:sld xmlns:a="http://schemas.openxmlformats.org/drawingml/2006/main" xmlns:r="http://schemas.openxmlformats.org/officeDocument/2006/relationships" xmlns:p="http://schemas.openxmlformats.org/presentationml/2006/main">
   <p:cSld>
     <p:spTree>
@@ -22250,7 +21893,7 @@
                   <a:schemeClr val="accent2"/>
                 </a:solidFill>
               </a:rPr>
-              <a:t>29</a:t>
+              <a:t>28</a:t>
             </a:fld>
             <a:endParaRPr lang="tr-TR" b="1" cap="all" spc="100" dirty="0">
               <a:solidFill>
@@ -22516,7 +22159,7 @@
 </p:sld>
 </file>
 
-<file path=ppt/slides/slide3.xml><?xml version="1.0" encoding="utf-8"?>
+<file path=ppt/slides/slide29.xml><?xml version="1.0" encoding="utf-8"?>
 <p:sld xmlns:a="http://schemas.openxmlformats.org/drawingml/2006/main" xmlns:r="http://schemas.openxmlformats.org/officeDocument/2006/relationships" xmlns:p="http://schemas.openxmlformats.org/presentationml/2006/main">
   <p:cSld>
     <p:spTree>
@@ -22551,233 +22194,6 @@
         </p:nvSpPr>
         <p:spPr>
           <a:xfrm>
-            <a:off x="838200" y="681037"/>
-            <a:ext cx="10515600" cy="610821"/>
-          </a:xfrm>
-        </p:spPr>
-        <p:txBody>
-          <a:bodyPr rtlCol="0">
-            <a:normAutofit fontScale="90000"/>
-          </a:bodyPr>
-          <a:lstStyle/>
-          <a:p>
-            <a:pPr rtl="0"/>
-            <a:r>
-              <a:rPr lang="tr-TR" sz="4000" dirty="0"/>
-              <a:t>Bölüm 2 : Bulanık Mantık Denetleyicileri</a:t>
-            </a:r>
-          </a:p>
-        </p:txBody>
-      </p:sp>
-      <p:sp>
-        <p:nvSpPr>
-          <p:cNvPr id="9" name="Slayt Numarası Yer Tutucusu 5">
-            <a:extLst>
-              <a:ext uri="{FF2B5EF4-FFF2-40B4-BE49-F238E27FC236}">
-                <a16:creationId xmlns:a16="http://schemas.microsoft.com/office/drawing/2014/main" id="{4FC290B8-BF94-4636-BFAB-9FD67F4AAC6D}"/>
-              </a:ext>
-            </a:extLst>
-          </p:cNvPr>
-          <p:cNvSpPr>
-            <a:spLocks noGrp="1"/>
-          </p:cNvSpPr>
-          <p:nvPr>
-            <p:ph type="sldNum" sz="quarter" idx="12"/>
-          </p:nvPr>
-        </p:nvSpPr>
-        <p:spPr>
-          <a:xfrm>
-            <a:off x="8610600" y="6356350"/>
-            <a:ext cx="2743200" cy="365125"/>
-          </a:xfrm>
-        </p:spPr>
-        <p:txBody>
-          <a:bodyPr rtlCol="0"/>
-          <a:lstStyle/>
-          <a:p>
-            <a:pPr rtl="0"/>
-            <a:fld id="{D8DA9DAA-006C-4F4B-980E-E3DF019B24E2}" type="slidenum">
-              <a:rPr lang="tr-TR" b="1" cap="all" spc="100" smtClean="0">
-                <a:solidFill>
-                  <a:schemeClr val="accent2"/>
-                </a:solidFill>
-              </a:rPr>
-              <a:t>3</a:t>
-            </a:fld>
-            <a:endParaRPr lang="tr-TR" b="1" cap="all" spc="100" dirty="0">
-              <a:solidFill>
-                <a:schemeClr val="accent2"/>
-              </a:solidFill>
-            </a:endParaRPr>
-          </a:p>
-        </p:txBody>
-      </p:sp>
-      <p:sp>
-        <p:nvSpPr>
-          <p:cNvPr id="3" name="İçerik Yer Tutucusu 2">
-            <a:extLst>
-              <a:ext uri="{FF2B5EF4-FFF2-40B4-BE49-F238E27FC236}">
-                <a16:creationId xmlns:a16="http://schemas.microsoft.com/office/drawing/2014/main" id="{839B2505-A752-6959-A64F-4ADB0FD16C45}"/>
-              </a:ext>
-            </a:extLst>
-          </p:cNvPr>
-          <p:cNvSpPr>
-            <a:spLocks noGrp="1"/>
-          </p:cNvSpPr>
-          <p:nvPr>
-            <p:ph idx="1"/>
-          </p:nvPr>
-        </p:nvSpPr>
-        <p:spPr>
-          <a:xfrm>
-            <a:off x="838200" y="1376179"/>
-            <a:ext cx="10515600" cy="4895850"/>
-          </a:xfrm>
-        </p:spPr>
-        <p:txBody>
-          <a:bodyPr>
-            <a:normAutofit/>
-          </a:bodyPr>
-          <a:lstStyle/>
-          <a:p>
-            <a:pPr>
-              <a:lnSpc>
-                <a:spcPts val="2300"/>
-              </a:lnSpc>
-              <a:spcBef>
-                <a:spcPts val="0"/>
-              </a:spcBef>
-              <a:spcAft>
-                <a:spcPts val="600"/>
-              </a:spcAft>
-            </a:pPr>
-            <a:r>
-              <a:rPr lang="tr-TR" sz="2200" dirty="0">
-                <a:effectLst/>
-                <a:latin typeface="Times New Roman" panose="02020603050405020304" pitchFamily="18" charset="0"/>
-                <a:ea typeface="Calibri" panose="020F0502020204030204" pitchFamily="34" charset="0"/>
-                <a:cs typeface="Times New Roman" panose="02020603050405020304" pitchFamily="18" charset="0"/>
-              </a:rPr>
-              <a:t>Bulanık İlişkiler</a:t>
-            </a:r>
-          </a:p>
-          <a:p>
-            <a:pPr lvl="2">
-              <a:lnSpc>
-                <a:spcPts val="2300"/>
-              </a:lnSpc>
-              <a:spcBef>
-                <a:spcPts val="0"/>
-              </a:spcBef>
-              <a:spcAft>
-                <a:spcPts val="600"/>
-              </a:spcAft>
-            </a:pPr>
-            <a:r>
-              <a:rPr lang="tr-TR" sz="2200" dirty="0">
-                <a:effectLst/>
-                <a:latin typeface="Times New Roman" panose="02020603050405020304" pitchFamily="18" charset="0"/>
-                <a:ea typeface="Calibri" panose="020F0502020204030204" pitchFamily="34" charset="0"/>
-                <a:cs typeface="Times New Roman" panose="02020603050405020304" pitchFamily="18" charset="0"/>
-              </a:rPr>
-              <a:t>Kartezyen çarpımı</a:t>
-            </a:r>
-          </a:p>
-          <a:p>
-            <a:pPr lvl="2">
-              <a:lnSpc>
-                <a:spcPts val="2300"/>
-              </a:lnSpc>
-              <a:spcBef>
-                <a:spcPts val="0"/>
-              </a:spcBef>
-              <a:spcAft>
-                <a:spcPts val="600"/>
-              </a:spcAft>
-            </a:pPr>
-            <a:r>
-              <a:rPr lang="tr-TR" sz="2200" dirty="0">
-                <a:effectLst/>
-                <a:latin typeface="Times New Roman" panose="02020603050405020304" pitchFamily="18" charset="0"/>
-                <a:ea typeface="Calibri" panose="020F0502020204030204" pitchFamily="34" charset="0"/>
-                <a:cs typeface="Times New Roman" panose="02020603050405020304" pitchFamily="18" charset="0"/>
-              </a:rPr>
-              <a:t>Bulanık ilişkiler</a:t>
-            </a:r>
-          </a:p>
-          <a:p>
-            <a:pPr lvl="2">
-              <a:lnSpc>
-                <a:spcPts val="2300"/>
-              </a:lnSpc>
-              <a:spcBef>
-                <a:spcPts val="0"/>
-              </a:spcBef>
-              <a:spcAft>
-                <a:spcPts val="600"/>
-              </a:spcAft>
-            </a:pPr>
-            <a:r>
-              <a:rPr lang="tr-TR" sz="2200" dirty="0">
-                <a:effectLst/>
-                <a:latin typeface="Times New Roman" panose="02020603050405020304" pitchFamily="18" charset="0"/>
-                <a:ea typeface="Calibri" panose="020F0502020204030204" pitchFamily="34" charset="0"/>
-                <a:cs typeface="Times New Roman" panose="02020603050405020304" pitchFamily="18" charset="0"/>
-              </a:rPr>
-              <a:t>Bileşim operatörleri</a:t>
-            </a:r>
-            <a:endParaRPr lang="tr-TR" sz="2200" dirty="0"/>
-          </a:p>
-        </p:txBody>
-      </p:sp>
-    </p:spTree>
-    <p:extLst>
-      <p:ext uri="{BB962C8B-B14F-4D97-AF65-F5344CB8AC3E}">
-        <p14:creationId xmlns:p14="http://schemas.microsoft.com/office/powerpoint/2010/main" val="783914445"/>
-      </p:ext>
-    </p:extLst>
-  </p:cSld>
-  <p:clrMapOvr>
-    <a:masterClrMapping/>
-  </p:clrMapOvr>
-</p:sld>
-</file>
-
-<file path=ppt/slides/slide30.xml><?xml version="1.0" encoding="utf-8"?>
-<p:sld xmlns:a="http://schemas.openxmlformats.org/drawingml/2006/main" xmlns:r="http://schemas.openxmlformats.org/officeDocument/2006/relationships" xmlns:p="http://schemas.openxmlformats.org/presentationml/2006/main">
-  <p:cSld>
-    <p:spTree>
-      <p:nvGrpSpPr>
-        <p:cNvPr id="1" name=""/>
-        <p:cNvGrpSpPr/>
-        <p:nvPr/>
-      </p:nvGrpSpPr>
-      <p:grpSpPr>
-        <a:xfrm>
-          <a:off x="0" y="0"/>
-          <a:ext cx="0" cy="0"/>
-          <a:chOff x="0" y="0"/>
-          <a:chExt cx="0" cy="0"/>
-        </a:xfrm>
-      </p:grpSpPr>
-      <p:sp>
-        <p:nvSpPr>
-          <p:cNvPr id="4" name="Başlık 3">
-            <a:extLst>
-              <a:ext uri="{FF2B5EF4-FFF2-40B4-BE49-F238E27FC236}">
-                <a16:creationId xmlns:a16="http://schemas.microsoft.com/office/drawing/2014/main" id="{55E27C7C-4B68-4BBC-BF36-8959D8493E4A}"/>
-              </a:ext>
-            </a:extLst>
-          </p:cNvPr>
-          <p:cNvSpPr>
-            <a:spLocks noGrp="1"/>
-          </p:cNvSpPr>
-          <p:nvPr>
-            <p:ph type="title"/>
-          </p:nvPr>
-        </p:nvSpPr>
-        <p:spPr>
-          <a:xfrm>
             <a:off x="838200" y="396825"/>
             <a:ext cx="10515600" cy="610821"/>
           </a:xfrm>
@@ -22843,7 +22259,7 @@
                   <a:schemeClr val="accent2"/>
                 </a:solidFill>
               </a:rPr>
-              <a:t>30</a:t>
+              <a:t>29</a:t>
             </a:fld>
             <a:endParaRPr lang="tr-TR" b="1" cap="all" spc="100" dirty="0">
               <a:solidFill>
@@ -23181,7 +22597,7 @@
 </p:sld>
 </file>
 
-<file path=ppt/slides/slide31.xml><?xml version="1.0" encoding="utf-8"?>
+<file path=ppt/slides/slide3.xml><?xml version="1.0" encoding="utf-8"?>
 <p:sld xmlns:a="http://schemas.openxmlformats.org/drawingml/2006/main" xmlns:r="http://schemas.openxmlformats.org/officeDocument/2006/relationships" xmlns:p="http://schemas.openxmlformats.org/presentationml/2006/main">
   <p:cSld>
     <p:spTree>
@@ -23216,6 +22632,233 @@
         </p:nvSpPr>
         <p:spPr>
           <a:xfrm>
+            <a:off x="838200" y="681037"/>
+            <a:ext cx="10515600" cy="610821"/>
+          </a:xfrm>
+        </p:spPr>
+        <p:txBody>
+          <a:bodyPr rtlCol="0">
+            <a:normAutofit fontScale="90000"/>
+          </a:bodyPr>
+          <a:lstStyle/>
+          <a:p>
+            <a:pPr rtl="0"/>
+            <a:r>
+              <a:rPr lang="tr-TR" sz="4000" dirty="0"/>
+              <a:t>Bölüm 2 : Bulanık Mantık Denetleyicileri</a:t>
+            </a:r>
+          </a:p>
+        </p:txBody>
+      </p:sp>
+      <p:sp>
+        <p:nvSpPr>
+          <p:cNvPr id="9" name="Slayt Numarası Yer Tutucusu 5">
+            <a:extLst>
+              <a:ext uri="{FF2B5EF4-FFF2-40B4-BE49-F238E27FC236}">
+                <a16:creationId xmlns:a16="http://schemas.microsoft.com/office/drawing/2014/main" id="{4FC290B8-BF94-4636-BFAB-9FD67F4AAC6D}"/>
+              </a:ext>
+            </a:extLst>
+          </p:cNvPr>
+          <p:cNvSpPr>
+            <a:spLocks noGrp="1"/>
+          </p:cNvSpPr>
+          <p:nvPr>
+            <p:ph type="sldNum" sz="quarter" idx="12"/>
+          </p:nvPr>
+        </p:nvSpPr>
+        <p:spPr>
+          <a:xfrm>
+            <a:off x="8610600" y="6356350"/>
+            <a:ext cx="2743200" cy="365125"/>
+          </a:xfrm>
+        </p:spPr>
+        <p:txBody>
+          <a:bodyPr rtlCol="0"/>
+          <a:lstStyle/>
+          <a:p>
+            <a:pPr rtl="0"/>
+            <a:fld id="{D8DA9DAA-006C-4F4B-980E-E3DF019B24E2}" type="slidenum">
+              <a:rPr lang="tr-TR" b="1" cap="all" spc="100" smtClean="0">
+                <a:solidFill>
+                  <a:schemeClr val="accent2"/>
+                </a:solidFill>
+              </a:rPr>
+              <a:t>3</a:t>
+            </a:fld>
+            <a:endParaRPr lang="tr-TR" b="1" cap="all" spc="100" dirty="0">
+              <a:solidFill>
+                <a:schemeClr val="accent2"/>
+              </a:solidFill>
+            </a:endParaRPr>
+          </a:p>
+        </p:txBody>
+      </p:sp>
+      <p:sp>
+        <p:nvSpPr>
+          <p:cNvPr id="3" name="İçerik Yer Tutucusu 2">
+            <a:extLst>
+              <a:ext uri="{FF2B5EF4-FFF2-40B4-BE49-F238E27FC236}">
+                <a16:creationId xmlns:a16="http://schemas.microsoft.com/office/drawing/2014/main" id="{839B2505-A752-6959-A64F-4ADB0FD16C45}"/>
+              </a:ext>
+            </a:extLst>
+          </p:cNvPr>
+          <p:cNvSpPr>
+            <a:spLocks noGrp="1"/>
+          </p:cNvSpPr>
+          <p:nvPr>
+            <p:ph idx="1"/>
+          </p:nvPr>
+        </p:nvSpPr>
+        <p:spPr>
+          <a:xfrm>
+            <a:off x="838200" y="1376179"/>
+            <a:ext cx="10515600" cy="4895850"/>
+          </a:xfrm>
+        </p:spPr>
+        <p:txBody>
+          <a:bodyPr>
+            <a:normAutofit/>
+          </a:bodyPr>
+          <a:lstStyle/>
+          <a:p>
+            <a:pPr>
+              <a:lnSpc>
+                <a:spcPts val="2300"/>
+              </a:lnSpc>
+              <a:spcBef>
+                <a:spcPts val="0"/>
+              </a:spcBef>
+              <a:spcAft>
+                <a:spcPts val="600"/>
+              </a:spcAft>
+            </a:pPr>
+            <a:r>
+              <a:rPr lang="tr-TR" sz="2200" dirty="0">
+                <a:effectLst/>
+                <a:latin typeface="Times New Roman" panose="02020603050405020304" pitchFamily="18" charset="0"/>
+                <a:ea typeface="Calibri" panose="020F0502020204030204" pitchFamily="34" charset="0"/>
+                <a:cs typeface="Times New Roman" panose="02020603050405020304" pitchFamily="18" charset="0"/>
+              </a:rPr>
+              <a:t>Bulanık İlişkiler</a:t>
+            </a:r>
+          </a:p>
+          <a:p>
+            <a:pPr lvl="2">
+              <a:lnSpc>
+                <a:spcPts val="2300"/>
+              </a:lnSpc>
+              <a:spcBef>
+                <a:spcPts val="0"/>
+              </a:spcBef>
+              <a:spcAft>
+                <a:spcPts val="600"/>
+              </a:spcAft>
+            </a:pPr>
+            <a:r>
+              <a:rPr lang="tr-TR" sz="2200" dirty="0">
+                <a:effectLst/>
+                <a:latin typeface="Times New Roman" panose="02020603050405020304" pitchFamily="18" charset="0"/>
+                <a:ea typeface="Calibri" panose="020F0502020204030204" pitchFamily="34" charset="0"/>
+                <a:cs typeface="Times New Roman" panose="02020603050405020304" pitchFamily="18" charset="0"/>
+              </a:rPr>
+              <a:t>Kartezyen çarpımı</a:t>
+            </a:r>
+          </a:p>
+          <a:p>
+            <a:pPr lvl="2">
+              <a:lnSpc>
+                <a:spcPts val="2300"/>
+              </a:lnSpc>
+              <a:spcBef>
+                <a:spcPts val="0"/>
+              </a:spcBef>
+              <a:spcAft>
+                <a:spcPts val="600"/>
+              </a:spcAft>
+            </a:pPr>
+            <a:r>
+              <a:rPr lang="tr-TR" sz="2200" dirty="0">
+                <a:effectLst/>
+                <a:latin typeface="Times New Roman" panose="02020603050405020304" pitchFamily="18" charset="0"/>
+                <a:ea typeface="Calibri" panose="020F0502020204030204" pitchFamily="34" charset="0"/>
+                <a:cs typeface="Times New Roman" panose="02020603050405020304" pitchFamily="18" charset="0"/>
+              </a:rPr>
+              <a:t>Bulanık ilişkiler</a:t>
+            </a:r>
+          </a:p>
+          <a:p>
+            <a:pPr lvl="2">
+              <a:lnSpc>
+                <a:spcPts val="2300"/>
+              </a:lnSpc>
+              <a:spcBef>
+                <a:spcPts val="0"/>
+              </a:spcBef>
+              <a:spcAft>
+                <a:spcPts val="600"/>
+              </a:spcAft>
+            </a:pPr>
+            <a:r>
+              <a:rPr lang="tr-TR" sz="2200" dirty="0">
+                <a:effectLst/>
+                <a:latin typeface="Times New Roman" panose="02020603050405020304" pitchFamily="18" charset="0"/>
+                <a:ea typeface="Calibri" panose="020F0502020204030204" pitchFamily="34" charset="0"/>
+                <a:cs typeface="Times New Roman" panose="02020603050405020304" pitchFamily="18" charset="0"/>
+              </a:rPr>
+              <a:t>Bileşim operatörleri</a:t>
+            </a:r>
+            <a:endParaRPr lang="tr-TR" sz="2200" dirty="0"/>
+          </a:p>
+        </p:txBody>
+      </p:sp>
+    </p:spTree>
+    <p:extLst>
+      <p:ext uri="{BB962C8B-B14F-4D97-AF65-F5344CB8AC3E}">
+        <p14:creationId xmlns:p14="http://schemas.microsoft.com/office/powerpoint/2010/main" val="783914445"/>
+      </p:ext>
+    </p:extLst>
+  </p:cSld>
+  <p:clrMapOvr>
+    <a:masterClrMapping/>
+  </p:clrMapOvr>
+</p:sld>
+</file>
+
+<file path=ppt/slides/slide30.xml><?xml version="1.0" encoding="utf-8"?>
+<p:sld xmlns:a="http://schemas.openxmlformats.org/drawingml/2006/main" xmlns:r="http://schemas.openxmlformats.org/officeDocument/2006/relationships" xmlns:p="http://schemas.openxmlformats.org/presentationml/2006/main">
+  <p:cSld>
+    <p:spTree>
+      <p:nvGrpSpPr>
+        <p:cNvPr id="1" name=""/>
+        <p:cNvGrpSpPr/>
+        <p:nvPr/>
+      </p:nvGrpSpPr>
+      <p:grpSpPr>
+        <a:xfrm>
+          <a:off x="0" y="0"/>
+          <a:ext cx="0" cy="0"/>
+          <a:chOff x="0" y="0"/>
+          <a:chExt cx="0" cy="0"/>
+        </a:xfrm>
+      </p:grpSpPr>
+      <p:sp>
+        <p:nvSpPr>
+          <p:cNvPr id="4" name="Başlık 3">
+            <a:extLst>
+              <a:ext uri="{FF2B5EF4-FFF2-40B4-BE49-F238E27FC236}">
+                <a16:creationId xmlns:a16="http://schemas.microsoft.com/office/drawing/2014/main" id="{55E27C7C-4B68-4BBC-BF36-8959D8493E4A}"/>
+              </a:ext>
+            </a:extLst>
+          </p:cNvPr>
+          <p:cNvSpPr>
+            <a:spLocks noGrp="1"/>
+          </p:cNvSpPr>
+          <p:nvPr>
+            <p:ph type="title"/>
+          </p:nvPr>
+        </p:nvSpPr>
+        <p:spPr>
+          <a:xfrm>
             <a:off x="838200" y="396825"/>
             <a:ext cx="10515600" cy="610821"/>
           </a:xfrm>
@@ -23281,7 +22924,7 @@
                   <a:schemeClr val="accent2"/>
                 </a:solidFill>
               </a:rPr>
-              <a:t>31</a:t>
+              <a:t>30</a:t>
             </a:fld>
             <a:endParaRPr lang="tr-TR" b="1" cap="all" spc="100" dirty="0">
               <a:solidFill>
@@ -23617,7 +23260,7 @@
 </p:sld>
 </file>
 
-<file path=ppt/slides/slide32.xml><?xml version="1.0" encoding="utf-8"?>
+<file path=ppt/slides/slide31.xml><?xml version="1.0" encoding="utf-8"?>
 <p:sld xmlns:a="http://schemas.openxmlformats.org/drawingml/2006/main" xmlns:r="http://schemas.openxmlformats.org/officeDocument/2006/relationships" xmlns:p="http://schemas.openxmlformats.org/presentationml/2006/main">
   <p:cSld>
     <p:spTree>
@@ -23717,7 +23360,7 @@
                   <a:schemeClr val="accent2"/>
                 </a:solidFill>
               </a:rPr>
-              <a:t>32</a:t>
+              <a:t>31</a:t>
             </a:fld>
             <a:endParaRPr lang="tr-TR" b="1" cap="all" spc="100" dirty="0">
               <a:solidFill>
@@ -24384,7 +24027,7 @@
 </p:sld>
 </file>
 
-<file path=ppt/slides/slide33.xml><?xml version="1.0" encoding="utf-8"?>
+<file path=ppt/slides/slide32.xml><?xml version="1.0" encoding="utf-8"?>
 <p:sld xmlns:a="http://schemas.openxmlformats.org/drawingml/2006/main" xmlns:r="http://schemas.openxmlformats.org/officeDocument/2006/relationships" xmlns:p="http://schemas.openxmlformats.org/presentationml/2006/main">
   <p:cSld>
     <p:spTree>
@@ -24484,7 +24127,7 @@
                   <a:schemeClr val="accent2"/>
                 </a:solidFill>
               </a:rPr>
-              <a:t>33</a:t>
+              <a:t>32</a:t>
             </a:fld>
             <a:endParaRPr lang="tr-TR" b="1" cap="all" spc="100" dirty="0">
               <a:solidFill>
@@ -24927,7 +24570,7 @@
 </p:sld>
 </file>
 
-<file path=ppt/slides/slide34.xml><?xml version="1.0" encoding="utf-8"?>
+<file path=ppt/slides/slide33.xml><?xml version="1.0" encoding="utf-8"?>
 <p:sld xmlns:a="http://schemas.openxmlformats.org/drawingml/2006/main" xmlns:r="http://schemas.openxmlformats.org/officeDocument/2006/relationships" xmlns:p="http://schemas.openxmlformats.org/presentationml/2006/main">
   <p:cSld>
     <p:spTree>
@@ -25027,7 +24670,7 @@
                   <a:schemeClr val="accent2"/>
                 </a:solidFill>
               </a:rPr>
-              <a:t>34</a:t>
+              <a:t>33</a:t>
             </a:fld>
             <a:endParaRPr lang="tr-TR" b="1" cap="all" spc="100" dirty="0">
               <a:solidFill>
@@ -25275,7 +24918,7 @@
 </p:sld>
 </file>
 
-<file path=ppt/slides/slide35.xml><?xml version="1.0" encoding="utf-8"?>
+<file path=ppt/slides/slide34.xml><?xml version="1.0" encoding="utf-8"?>
 <p:sld xmlns:a="http://schemas.openxmlformats.org/drawingml/2006/main" xmlns:r="http://schemas.openxmlformats.org/officeDocument/2006/relationships" xmlns:p="http://schemas.openxmlformats.org/presentationml/2006/main">
   <p:cSld>
     <p:spTree>
@@ -25317,7 +24960,7 @@
             <a:fld id="{D8DA9DAA-006C-4F4B-980E-E3DF019B24E2}" type="slidenum">
               <a:rPr lang="tr-TR" smtClean="0"/>
               <a:pPr rtl="0"/>
-              <a:t>35</a:t>
+              <a:t>34</a:t>
             </a:fld>
             <a:endParaRPr lang="tr-TR"/>
           </a:p>
@@ -25486,7 +25129,7 @@
 </p:sld>
 </file>
 
-<file path=ppt/slides/slide36.xml><?xml version="1.0" encoding="utf-8"?>
+<file path=ppt/slides/slide35.xml><?xml version="1.0" encoding="utf-8"?>
 <p:sld xmlns:a="http://schemas.openxmlformats.org/drawingml/2006/main" xmlns:r="http://schemas.openxmlformats.org/officeDocument/2006/relationships" xmlns:p="http://schemas.openxmlformats.org/presentationml/2006/main">
   <p:cSld>
     <p:spTree>
@@ -25572,7 +25215,7 @@
                   <a:schemeClr val="accent2"/>
                 </a:solidFill>
               </a:rPr>
-              <a:t>36</a:t>
+              <a:t>35</a:t>
             </a:fld>
             <a:endParaRPr lang="tr-TR" b="1" cap="all" spc="100" dirty="0">
               <a:solidFill>
@@ -28564,15 +28207,6 @@
 </file>
 
 <file path=customXml/item1.xml><?xml version="1.0" encoding="utf-8"?>
-<?mso-contentType ?>
-<FormTemplates xmlns="http://schemas.microsoft.com/sharepoint/v3/contenttype/forms">
-  <Display>DocumentLibraryForm</Display>
-  <Edit>DocumentLibraryForm</Edit>
-  <New>DocumentLibraryForm</New>
-</FormTemplates>
-</file>
-
-<file path=customXml/item2.xml><?xml version="1.0" encoding="utf-8"?>
 <ct:contentTypeSchema xmlns:ct="http://schemas.microsoft.com/office/2006/metadata/contentType" xmlns:ma="http://schemas.microsoft.com/office/2006/metadata/properties/metaAttributes" ct:_="" ma:_="" ma:contentTypeName="Document" ma:contentTypeID="0x01010079F111ED35F8CC479449609E8A0923A6" ma:contentTypeVersion="12" ma:contentTypeDescription="Create a new document." ma:contentTypeScope="" ma:versionID="426e97fa315356fffbdcd9876fe988c2">
   <xsd:schema xmlns:xsd="http://www.w3.org/2001/XMLSchema" xmlns:xs="http://www.w3.org/2001/XMLSchema" xmlns:p="http://schemas.microsoft.com/office/2006/metadata/properties" xmlns:ns2="71af3243-3dd4-4a8d-8c0d-dd76da1f02a5" xmlns:ns3="16c05727-aa75-4e4a-9b5f-8a80a1165891" targetNamespace="http://schemas.microsoft.com/office/2006/metadata/properties" ma:root="true" ma:fieldsID="14b8f0def80e6d70ce3def20c90759ae" ns2:_="" ns3:_="">
     <xsd:import namespace="71af3243-3dd4-4a8d-8c0d-dd76da1f02a5"/>
@@ -28793,6 +28427,15 @@
 </ct:contentTypeSchema>
 </file>
 
+<file path=customXml/item2.xml><?xml version="1.0" encoding="utf-8"?>
+<?mso-contentType ?>
+<FormTemplates xmlns="http://schemas.microsoft.com/sharepoint/v3/contenttype/forms">
+  <Display>DocumentLibraryForm</Display>
+  <Edit>DocumentLibraryForm</Edit>
+  <New>DocumentLibraryForm</New>
+</FormTemplates>
+</file>
+
 <file path=customXml/item3.xml><?xml version="1.0" encoding="utf-8"?>
 <p:properties xmlns:p="http://schemas.microsoft.com/office/2006/metadata/properties" xmlns:xsi="http://www.w3.org/2001/XMLSchema-instance" xmlns:pc="http://schemas.microsoft.com/office/infopath/2007/PartnerControls">
   <documentManagement>
@@ -28803,14 +28446,6 @@
 </file>
 
 <file path=customXml/itemProps1.xml><?xml version="1.0" encoding="utf-8"?>
-<ds:datastoreItem xmlns:ds="http://schemas.openxmlformats.org/officeDocument/2006/customXml" ds:itemID="{3C8E00D1-8EA3-4E42-801D-0253E1EAFC21}">
-  <ds:schemaRefs>
-    <ds:schemaRef ds:uri="http://schemas.microsoft.com/sharepoint/v3/contenttype/forms"/>
-  </ds:schemaRefs>
-</ds:datastoreItem>
-</file>
-
-<file path=customXml/itemProps2.xml><?xml version="1.0" encoding="utf-8"?>
 <ds:datastoreItem xmlns:ds="http://schemas.openxmlformats.org/officeDocument/2006/customXml" ds:itemID="{ABC329F5-30EE-4BF7-AA2A-B837B51416B4}">
   <ds:schemaRefs>
     <ds:schemaRef ds:uri="http://schemas.microsoft.com/office/2006/metadata/contentType"/>
@@ -28829,6 +28464,14 @@
 </ds:datastoreItem>
 </file>
 
+<file path=customXml/itemProps2.xml><?xml version="1.0" encoding="utf-8"?>
+<ds:datastoreItem xmlns:ds="http://schemas.openxmlformats.org/officeDocument/2006/customXml" ds:itemID="{3C8E00D1-8EA3-4E42-801D-0253E1EAFC21}">
+  <ds:schemaRefs>
+    <ds:schemaRef ds:uri="http://schemas.microsoft.com/sharepoint/v3/contenttype/forms"/>
+  </ds:schemaRefs>
+</ds:datastoreItem>
+</file>
+
 <file path=customXml/itemProps3.xml><?xml version="1.0" encoding="utf-8"?>
 <ds:datastoreItem xmlns:ds="http://schemas.openxmlformats.org/officeDocument/2006/customXml" ds:itemID="{99919F73-B6C2-4A43-95E2-833EC48925FE}">
   <ds:schemaRefs>
